--- a/Springer Latex/Book/figures-SOURCE/Wi-Fi-evolution.pptx
+++ b/Springer Latex/Book/figures-SOURCE/Wi-Fi-evolution.pptx
@@ -6,8 +6,9 @@
   </p:sldMasterIdLst>
   <p:sldIdLst>
     <p:sldId id="256" r:id="rId2"/>
+    <p:sldId id="257" r:id="rId3"/>
   </p:sldIdLst>
-  <p:sldSz cx="9144000" cy="5029200"/>
+  <p:sldSz cx="12192000" cy="6858000"/>
   <p:notesSz cx="6858000" cy="9144000"/>
   <p:defaultTextStyle>
     <a:defPPr>
@@ -136,19 +137,23 @@
         </p:nvSpPr>
         <p:spPr>
           <a:xfrm>
-            <a:off x="685800" y="1562312"/>
-            <a:ext cx="7772400" cy="1078019"/>
-          </a:xfrm>
-        </p:spPr>
-        <p:txBody>
-          <a:bodyPr/>
-          <a:lstStyle/>
-          <a:p>
-            <a:r>
-              <a:rPr lang="en-US" smtClean="0"/>
+            <a:off x="1524000" y="1122363"/>
+            <a:ext cx="9144000" cy="2387600"/>
+          </a:xfrm>
+        </p:spPr>
+        <p:txBody>
+          <a:bodyPr anchor="b"/>
+          <a:lstStyle>
+            <a:lvl1pPr algn="ctr">
+              <a:defRPr sz="6000"/>
+            </a:lvl1pPr>
+          </a:lstStyle>
+          <a:p>
+            <a:r>
+              <a:rPr lang="en-US"/>
               <a:t>Click to edit Master title style</a:t>
             </a:r>
-            <a:endParaRPr lang="en-US"/>
+            <a:endParaRPr lang="en-CA"/>
           </a:p>
         </p:txBody>
       </p:sp>
@@ -164,8 +169,8 @@
         </p:nvSpPr>
         <p:spPr>
           <a:xfrm>
-            <a:off x="1371600" y="2849880"/>
-            <a:ext cx="6400800" cy="1285240"/>
+            <a:off x="1524000" y="3602038"/>
+            <a:ext cx="9144000" cy="1655762"/>
           </a:xfrm>
         </p:spPr>
         <p:txBody>
@@ -173,101 +178,47 @@
           <a:lstStyle>
             <a:lvl1pPr marL="0" indent="0" algn="ctr">
               <a:buNone/>
-              <a:defRPr>
-                <a:solidFill>
-                  <a:schemeClr val="tx1">
-                    <a:tint val="75000"/>
-                  </a:schemeClr>
-                </a:solidFill>
-              </a:defRPr>
+              <a:defRPr sz="2400"/>
             </a:lvl1pPr>
             <a:lvl2pPr marL="457200" indent="0" algn="ctr">
               <a:buNone/>
-              <a:defRPr>
-                <a:solidFill>
-                  <a:schemeClr val="tx1">
-                    <a:tint val="75000"/>
-                  </a:schemeClr>
-                </a:solidFill>
-              </a:defRPr>
+              <a:defRPr sz="2000"/>
             </a:lvl2pPr>
             <a:lvl3pPr marL="914400" indent="0" algn="ctr">
               <a:buNone/>
-              <a:defRPr>
-                <a:solidFill>
-                  <a:schemeClr val="tx1">
-                    <a:tint val="75000"/>
-                  </a:schemeClr>
-                </a:solidFill>
-              </a:defRPr>
+              <a:defRPr sz="1800"/>
             </a:lvl3pPr>
             <a:lvl4pPr marL="1371600" indent="0" algn="ctr">
               <a:buNone/>
-              <a:defRPr>
-                <a:solidFill>
-                  <a:schemeClr val="tx1">
-                    <a:tint val="75000"/>
-                  </a:schemeClr>
-                </a:solidFill>
-              </a:defRPr>
+              <a:defRPr sz="1600"/>
             </a:lvl4pPr>
             <a:lvl5pPr marL="1828800" indent="0" algn="ctr">
               <a:buNone/>
-              <a:defRPr>
-                <a:solidFill>
-                  <a:schemeClr val="tx1">
-                    <a:tint val="75000"/>
-                  </a:schemeClr>
-                </a:solidFill>
-              </a:defRPr>
+              <a:defRPr sz="1600"/>
             </a:lvl5pPr>
             <a:lvl6pPr marL="2286000" indent="0" algn="ctr">
               <a:buNone/>
-              <a:defRPr>
-                <a:solidFill>
-                  <a:schemeClr val="tx1">
-                    <a:tint val="75000"/>
-                  </a:schemeClr>
-                </a:solidFill>
-              </a:defRPr>
+              <a:defRPr sz="1600"/>
             </a:lvl6pPr>
             <a:lvl7pPr marL="2743200" indent="0" algn="ctr">
               <a:buNone/>
-              <a:defRPr>
-                <a:solidFill>
-                  <a:schemeClr val="tx1">
-                    <a:tint val="75000"/>
-                  </a:schemeClr>
-                </a:solidFill>
-              </a:defRPr>
+              <a:defRPr sz="1600"/>
             </a:lvl7pPr>
             <a:lvl8pPr marL="3200400" indent="0" algn="ctr">
               <a:buNone/>
-              <a:defRPr>
-                <a:solidFill>
-                  <a:schemeClr val="tx1">
-                    <a:tint val="75000"/>
-                  </a:schemeClr>
-                </a:solidFill>
-              </a:defRPr>
+              <a:defRPr sz="1600"/>
             </a:lvl8pPr>
             <a:lvl9pPr marL="3657600" indent="0" algn="ctr">
               <a:buNone/>
-              <a:defRPr>
-                <a:solidFill>
-                  <a:schemeClr val="tx1">
-                    <a:tint val="75000"/>
-                  </a:schemeClr>
-                </a:solidFill>
-              </a:defRPr>
+              <a:defRPr sz="1600"/>
             </a:lvl9pPr>
           </a:lstStyle>
           <a:p>
             <a:r>
-              <a:rPr lang="en-US" smtClean="0"/>
+              <a:rPr lang="en-US"/>
               <a:t>Click to edit Master subtitle style</a:t>
             </a:r>
-            <a:endParaRPr lang="en-US"/>
+            <a:endParaRPr lang="en-CA"/>
           </a:p>
         </p:txBody>
       </p:sp>
@@ -286,11 +237,11 @@
           <a:bodyPr/>
           <a:lstStyle/>
           <a:p>
-            <a:fld id="{5E78BC5E-CFC6-42C6-9AD4-2310523D0B3F}" type="datetimeFigureOut">
-              <a:rPr lang="en-US" smtClean="0"/>
-              <a:t>7/18/2016</a:t>
+            <a:fld id="{F9EABCE4-471C-4DEC-9C9F-A58F050A4848}" type="datetimeFigureOut">
+              <a:rPr lang="en-CA" smtClean="0"/>
+              <a:t>2016-08-19</a:t>
             </a:fld>
-            <a:endParaRPr lang="en-US"/>
+            <a:endParaRPr lang="en-CA"/>
           </a:p>
         </p:txBody>
       </p:sp>
@@ -309,7 +260,7 @@
           <a:bodyPr/>
           <a:lstStyle/>
           <a:p>
-            <a:endParaRPr lang="en-US"/>
+            <a:endParaRPr lang="en-CA"/>
           </a:p>
         </p:txBody>
       </p:sp>
@@ -328,18 +279,18 @@
           <a:bodyPr/>
           <a:lstStyle/>
           <a:p>
-            <a:fld id="{6B5B511D-EFFD-4386-BCF9-544EAD73D2C4}" type="slidenum">
-              <a:rPr lang="en-US" smtClean="0"/>
+            <a:fld id="{D9FA85C2-9666-4381-BDB5-C10F74A33BB3}" type="slidenum">
+              <a:rPr lang="en-CA" smtClean="0"/>
               <a:t>‹#›</a:t>
             </a:fld>
-            <a:endParaRPr lang="en-US"/>
+            <a:endParaRPr lang="en-CA"/>
           </a:p>
         </p:txBody>
       </p:sp>
     </p:spTree>
     <p:extLst>
       <p:ext uri="{BB962C8B-B14F-4D97-AF65-F5344CB8AC3E}">
-        <p14:creationId xmlns:p14="http://schemas.microsoft.com/office/powerpoint/2010/main" val="1599474065"/>
+        <p14:creationId xmlns:p14="http://schemas.microsoft.com/office/powerpoint/2010/main" val="1112168119"/>
       </p:ext>
     </p:extLst>
   </p:cSld>
@@ -382,10 +333,10 @@
           <a:lstStyle/>
           <a:p>
             <a:r>
-              <a:rPr lang="en-US" smtClean="0"/>
+              <a:rPr lang="en-US"/>
               <a:t>Click to edit Master title style</a:t>
             </a:r>
-            <a:endParaRPr lang="en-US"/>
+            <a:endParaRPr lang="en-CA"/>
           </a:p>
         </p:txBody>
       </p:sp>
@@ -406,38 +357,38 @@
           <a:p>
             <a:pPr lvl="0"/>
             <a:r>
-              <a:rPr lang="en-US" smtClean="0"/>
-              <a:t>Click to edit Master text styles</a:t>
+              <a:rPr lang="en-US"/>
+              <a:t>Edit Master text styles</a:t>
             </a:r>
           </a:p>
           <a:p>
             <a:pPr lvl="1"/>
             <a:r>
-              <a:rPr lang="en-US" smtClean="0"/>
+              <a:rPr lang="en-US"/>
               <a:t>Second level</a:t>
             </a:r>
           </a:p>
           <a:p>
             <a:pPr lvl="2"/>
             <a:r>
-              <a:rPr lang="en-US" smtClean="0"/>
+              <a:rPr lang="en-US"/>
               <a:t>Third level</a:t>
             </a:r>
           </a:p>
           <a:p>
             <a:pPr lvl="3"/>
             <a:r>
-              <a:rPr lang="en-US" smtClean="0"/>
+              <a:rPr lang="en-US"/>
               <a:t>Fourth level</a:t>
             </a:r>
           </a:p>
           <a:p>
             <a:pPr lvl="4"/>
             <a:r>
-              <a:rPr lang="en-US" smtClean="0"/>
+              <a:rPr lang="en-US"/>
               <a:t>Fifth level</a:t>
             </a:r>
-            <a:endParaRPr lang="en-US"/>
+            <a:endParaRPr lang="en-CA"/>
           </a:p>
         </p:txBody>
       </p:sp>
@@ -456,11 +407,11 @@
           <a:bodyPr/>
           <a:lstStyle/>
           <a:p>
-            <a:fld id="{5E78BC5E-CFC6-42C6-9AD4-2310523D0B3F}" type="datetimeFigureOut">
-              <a:rPr lang="en-US" smtClean="0"/>
-              <a:t>7/18/2016</a:t>
+            <a:fld id="{F9EABCE4-471C-4DEC-9C9F-A58F050A4848}" type="datetimeFigureOut">
+              <a:rPr lang="en-CA" smtClean="0"/>
+              <a:t>2016-08-19</a:t>
             </a:fld>
-            <a:endParaRPr lang="en-US"/>
+            <a:endParaRPr lang="en-CA"/>
           </a:p>
         </p:txBody>
       </p:sp>
@@ -479,7 +430,7 @@
           <a:bodyPr/>
           <a:lstStyle/>
           <a:p>
-            <a:endParaRPr lang="en-US"/>
+            <a:endParaRPr lang="en-CA"/>
           </a:p>
         </p:txBody>
       </p:sp>
@@ -498,18 +449,18 @@
           <a:bodyPr/>
           <a:lstStyle/>
           <a:p>
-            <a:fld id="{6B5B511D-EFFD-4386-BCF9-544EAD73D2C4}" type="slidenum">
-              <a:rPr lang="en-US" smtClean="0"/>
+            <a:fld id="{D9FA85C2-9666-4381-BDB5-C10F74A33BB3}" type="slidenum">
+              <a:rPr lang="en-CA" smtClean="0"/>
               <a:t>‹#›</a:t>
             </a:fld>
-            <a:endParaRPr lang="en-US"/>
+            <a:endParaRPr lang="en-CA"/>
           </a:p>
         </p:txBody>
       </p:sp>
     </p:spTree>
     <p:extLst>
       <p:ext uri="{BB962C8B-B14F-4D97-AF65-F5344CB8AC3E}">
-        <p14:creationId xmlns:p14="http://schemas.microsoft.com/office/powerpoint/2010/main" val="829007883"/>
+        <p14:creationId xmlns:p14="http://schemas.microsoft.com/office/powerpoint/2010/main" val="4190854235"/>
       </p:ext>
     </p:extLst>
   </p:cSld>
@@ -548,8 +499,8 @@
         </p:nvSpPr>
         <p:spPr>
           <a:xfrm>
-            <a:off x="6629400" y="174625"/>
-            <a:ext cx="2057400" cy="3718349"/>
+            <a:off x="8724900" y="365125"/>
+            <a:ext cx="2628900" cy="5811838"/>
           </a:xfrm>
         </p:spPr>
         <p:txBody>
@@ -557,10 +508,10 @@
           <a:lstStyle/>
           <a:p>
             <a:r>
-              <a:rPr lang="en-US" smtClean="0"/>
+              <a:rPr lang="en-US"/>
               <a:t>Click to edit Master title style</a:t>
             </a:r>
-            <a:endParaRPr lang="en-US"/>
+            <a:endParaRPr lang="en-CA"/>
           </a:p>
         </p:txBody>
       </p:sp>
@@ -576,8 +527,8 @@
         </p:nvSpPr>
         <p:spPr>
           <a:xfrm>
-            <a:off x="457200" y="174625"/>
-            <a:ext cx="6019800" cy="3718349"/>
+            <a:off x="838200" y="365125"/>
+            <a:ext cx="7734300" cy="5811838"/>
           </a:xfrm>
         </p:spPr>
         <p:txBody>
@@ -586,38 +537,38 @@
           <a:p>
             <a:pPr lvl="0"/>
             <a:r>
-              <a:rPr lang="en-US" smtClean="0"/>
-              <a:t>Click to edit Master text styles</a:t>
+              <a:rPr lang="en-US"/>
+              <a:t>Edit Master text styles</a:t>
             </a:r>
           </a:p>
           <a:p>
             <a:pPr lvl="1"/>
             <a:r>
-              <a:rPr lang="en-US" smtClean="0"/>
+              <a:rPr lang="en-US"/>
               <a:t>Second level</a:t>
             </a:r>
           </a:p>
           <a:p>
             <a:pPr lvl="2"/>
             <a:r>
-              <a:rPr lang="en-US" smtClean="0"/>
+              <a:rPr lang="en-US"/>
               <a:t>Third level</a:t>
             </a:r>
           </a:p>
           <a:p>
             <a:pPr lvl="3"/>
             <a:r>
-              <a:rPr lang="en-US" smtClean="0"/>
+              <a:rPr lang="en-US"/>
               <a:t>Fourth level</a:t>
             </a:r>
           </a:p>
           <a:p>
             <a:pPr lvl="4"/>
             <a:r>
-              <a:rPr lang="en-US" smtClean="0"/>
+              <a:rPr lang="en-US"/>
               <a:t>Fifth level</a:t>
             </a:r>
-            <a:endParaRPr lang="en-US"/>
+            <a:endParaRPr lang="en-CA"/>
           </a:p>
         </p:txBody>
       </p:sp>
@@ -636,11 +587,11 @@
           <a:bodyPr/>
           <a:lstStyle/>
           <a:p>
-            <a:fld id="{5E78BC5E-CFC6-42C6-9AD4-2310523D0B3F}" type="datetimeFigureOut">
-              <a:rPr lang="en-US" smtClean="0"/>
-              <a:t>7/18/2016</a:t>
+            <a:fld id="{F9EABCE4-471C-4DEC-9C9F-A58F050A4848}" type="datetimeFigureOut">
+              <a:rPr lang="en-CA" smtClean="0"/>
+              <a:t>2016-08-19</a:t>
             </a:fld>
-            <a:endParaRPr lang="en-US"/>
+            <a:endParaRPr lang="en-CA"/>
           </a:p>
         </p:txBody>
       </p:sp>
@@ -659,7 +610,7 @@
           <a:bodyPr/>
           <a:lstStyle/>
           <a:p>
-            <a:endParaRPr lang="en-US"/>
+            <a:endParaRPr lang="en-CA"/>
           </a:p>
         </p:txBody>
       </p:sp>
@@ -678,18 +629,18 @@
           <a:bodyPr/>
           <a:lstStyle/>
           <a:p>
-            <a:fld id="{6B5B511D-EFFD-4386-BCF9-544EAD73D2C4}" type="slidenum">
-              <a:rPr lang="en-US" smtClean="0"/>
+            <a:fld id="{D9FA85C2-9666-4381-BDB5-C10F74A33BB3}" type="slidenum">
+              <a:rPr lang="en-CA" smtClean="0"/>
               <a:t>‹#›</a:t>
             </a:fld>
-            <a:endParaRPr lang="en-US"/>
+            <a:endParaRPr lang="en-CA"/>
           </a:p>
         </p:txBody>
       </p:sp>
     </p:spTree>
     <p:extLst>
       <p:ext uri="{BB962C8B-B14F-4D97-AF65-F5344CB8AC3E}">
-        <p14:creationId xmlns:p14="http://schemas.microsoft.com/office/powerpoint/2010/main" val="454481624"/>
+        <p14:creationId xmlns:p14="http://schemas.microsoft.com/office/powerpoint/2010/main" val="2162131517"/>
       </p:ext>
     </p:extLst>
   </p:cSld>
@@ -732,10 +683,10 @@
           <a:lstStyle/>
           <a:p>
             <a:r>
-              <a:rPr lang="en-US" smtClean="0"/>
+              <a:rPr lang="en-US"/>
               <a:t>Click to edit Master title style</a:t>
             </a:r>
-            <a:endParaRPr lang="en-US"/>
+            <a:endParaRPr lang="en-CA"/>
           </a:p>
         </p:txBody>
       </p:sp>
@@ -756,38 +707,38 @@
           <a:p>
             <a:pPr lvl="0"/>
             <a:r>
-              <a:rPr lang="en-US" smtClean="0"/>
-              <a:t>Click to edit Master text styles</a:t>
+              <a:rPr lang="en-US"/>
+              <a:t>Edit Master text styles</a:t>
             </a:r>
           </a:p>
           <a:p>
             <a:pPr lvl="1"/>
             <a:r>
-              <a:rPr lang="en-US" smtClean="0"/>
+              <a:rPr lang="en-US"/>
               <a:t>Second level</a:t>
             </a:r>
           </a:p>
           <a:p>
             <a:pPr lvl="2"/>
             <a:r>
-              <a:rPr lang="en-US" smtClean="0"/>
+              <a:rPr lang="en-US"/>
               <a:t>Third level</a:t>
             </a:r>
           </a:p>
           <a:p>
             <a:pPr lvl="3"/>
             <a:r>
-              <a:rPr lang="en-US" smtClean="0"/>
+              <a:rPr lang="en-US"/>
               <a:t>Fourth level</a:t>
             </a:r>
           </a:p>
           <a:p>
             <a:pPr lvl="4"/>
             <a:r>
-              <a:rPr lang="en-US" smtClean="0"/>
+              <a:rPr lang="en-US"/>
               <a:t>Fifth level</a:t>
             </a:r>
-            <a:endParaRPr lang="en-US"/>
+            <a:endParaRPr lang="en-CA"/>
           </a:p>
         </p:txBody>
       </p:sp>
@@ -806,11 +757,11 @@
           <a:bodyPr/>
           <a:lstStyle/>
           <a:p>
-            <a:fld id="{5E78BC5E-CFC6-42C6-9AD4-2310523D0B3F}" type="datetimeFigureOut">
-              <a:rPr lang="en-US" smtClean="0"/>
-              <a:t>7/18/2016</a:t>
+            <a:fld id="{F9EABCE4-471C-4DEC-9C9F-A58F050A4848}" type="datetimeFigureOut">
+              <a:rPr lang="en-CA" smtClean="0"/>
+              <a:t>2016-08-19</a:t>
             </a:fld>
-            <a:endParaRPr lang="en-US"/>
+            <a:endParaRPr lang="en-CA"/>
           </a:p>
         </p:txBody>
       </p:sp>
@@ -829,7 +780,7 @@
           <a:bodyPr/>
           <a:lstStyle/>
           <a:p>
-            <a:endParaRPr lang="en-US"/>
+            <a:endParaRPr lang="en-CA"/>
           </a:p>
         </p:txBody>
       </p:sp>
@@ -848,18 +799,18 @@
           <a:bodyPr/>
           <a:lstStyle/>
           <a:p>
-            <a:fld id="{6B5B511D-EFFD-4386-BCF9-544EAD73D2C4}" type="slidenum">
-              <a:rPr lang="en-US" smtClean="0"/>
+            <a:fld id="{D9FA85C2-9666-4381-BDB5-C10F74A33BB3}" type="slidenum">
+              <a:rPr lang="en-CA" smtClean="0"/>
               <a:t>‹#›</a:t>
             </a:fld>
-            <a:endParaRPr lang="en-US"/>
+            <a:endParaRPr lang="en-CA"/>
           </a:p>
         </p:txBody>
       </p:sp>
     </p:spTree>
     <p:extLst>
       <p:ext uri="{BB962C8B-B14F-4D97-AF65-F5344CB8AC3E}">
-        <p14:creationId xmlns:p14="http://schemas.microsoft.com/office/powerpoint/2010/main" val="2078309590"/>
+        <p14:creationId xmlns:p14="http://schemas.microsoft.com/office/powerpoint/2010/main" val="2664744712"/>
       </p:ext>
     </p:extLst>
   </p:cSld>
@@ -898,23 +849,23 @@
         </p:nvSpPr>
         <p:spPr>
           <a:xfrm>
-            <a:off x="722313" y="3231728"/>
-            <a:ext cx="7772400" cy="998855"/>
-          </a:xfrm>
-        </p:spPr>
-        <p:txBody>
-          <a:bodyPr anchor="t"/>
+            <a:off x="831850" y="1709738"/>
+            <a:ext cx="10515600" cy="2852737"/>
+          </a:xfrm>
+        </p:spPr>
+        <p:txBody>
+          <a:bodyPr anchor="b"/>
           <a:lstStyle>
-            <a:lvl1pPr algn="l">
-              <a:defRPr sz="4000" b="1" cap="all"/>
+            <a:lvl1pPr>
+              <a:defRPr sz="6000"/>
             </a:lvl1pPr>
           </a:lstStyle>
           <a:p>
             <a:r>
-              <a:rPr lang="en-US" smtClean="0"/>
+              <a:rPr lang="en-US"/>
               <a:t>Click to edit Master title style</a:t>
             </a:r>
-            <a:endParaRPr lang="en-US"/>
+            <a:endParaRPr lang="en-CA"/>
           </a:p>
         </p:txBody>
       </p:sp>
@@ -930,16 +881,16 @@
         </p:nvSpPr>
         <p:spPr>
           <a:xfrm>
-            <a:off x="722313" y="2131590"/>
-            <a:ext cx="7772400" cy="1100137"/>
-          </a:xfrm>
-        </p:spPr>
-        <p:txBody>
-          <a:bodyPr anchor="b"/>
+            <a:off x="831850" y="4589463"/>
+            <a:ext cx="10515600" cy="1500187"/>
+          </a:xfrm>
+        </p:spPr>
+        <p:txBody>
+          <a:bodyPr/>
           <a:lstStyle>
             <a:lvl1pPr marL="0" indent="0">
               <a:buNone/>
-              <a:defRPr sz="2000">
+              <a:defRPr sz="2400">
                 <a:solidFill>
                   <a:schemeClr val="tx1">
                     <a:tint val="75000"/>
@@ -949,7 +900,7 @@
             </a:lvl1pPr>
             <a:lvl2pPr marL="457200" indent="0">
               <a:buNone/>
-              <a:defRPr sz="1800">
+              <a:defRPr sz="2000">
                 <a:solidFill>
                   <a:schemeClr val="tx1">
                     <a:tint val="75000"/>
@@ -959,7 +910,7 @@
             </a:lvl2pPr>
             <a:lvl3pPr marL="914400" indent="0">
               <a:buNone/>
-              <a:defRPr sz="1600">
+              <a:defRPr sz="1800">
                 <a:solidFill>
                   <a:schemeClr val="tx1">
                     <a:tint val="75000"/>
@@ -969,7 +920,7 @@
             </a:lvl3pPr>
             <a:lvl4pPr marL="1371600" indent="0">
               <a:buNone/>
-              <a:defRPr sz="1400">
+              <a:defRPr sz="1600">
                 <a:solidFill>
                   <a:schemeClr val="tx1">
                     <a:tint val="75000"/>
@@ -979,7 +930,7 @@
             </a:lvl4pPr>
             <a:lvl5pPr marL="1828800" indent="0">
               <a:buNone/>
-              <a:defRPr sz="1400">
+              <a:defRPr sz="1600">
                 <a:solidFill>
                   <a:schemeClr val="tx1">
                     <a:tint val="75000"/>
@@ -989,7 +940,7 @@
             </a:lvl5pPr>
             <a:lvl6pPr marL="2286000" indent="0">
               <a:buNone/>
-              <a:defRPr sz="1400">
+              <a:defRPr sz="1600">
                 <a:solidFill>
                   <a:schemeClr val="tx1">
                     <a:tint val="75000"/>
@@ -999,7 +950,7 @@
             </a:lvl6pPr>
             <a:lvl7pPr marL="2743200" indent="0">
               <a:buNone/>
-              <a:defRPr sz="1400">
+              <a:defRPr sz="1600">
                 <a:solidFill>
                   <a:schemeClr val="tx1">
                     <a:tint val="75000"/>
@@ -1009,7 +960,7 @@
             </a:lvl7pPr>
             <a:lvl8pPr marL="3200400" indent="0">
               <a:buNone/>
-              <a:defRPr sz="1400">
+              <a:defRPr sz="1600">
                 <a:solidFill>
                   <a:schemeClr val="tx1">
                     <a:tint val="75000"/>
@@ -1019,7 +970,7 @@
             </a:lvl8pPr>
             <a:lvl9pPr marL="3657600" indent="0">
               <a:buNone/>
-              <a:defRPr sz="1400">
+              <a:defRPr sz="1600">
                 <a:solidFill>
                   <a:schemeClr val="tx1">
                     <a:tint val="75000"/>
@@ -1031,8 +982,8 @@
           <a:p>
             <a:pPr lvl="0"/>
             <a:r>
-              <a:rPr lang="en-US" smtClean="0"/>
-              <a:t>Click to edit Master text styles</a:t>
+              <a:rPr lang="en-US"/>
+              <a:t>Edit Master text styles</a:t>
             </a:r>
           </a:p>
         </p:txBody>
@@ -1052,11 +1003,11 @@
           <a:bodyPr/>
           <a:lstStyle/>
           <a:p>
-            <a:fld id="{5E78BC5E-CFC6-42C6-9AD4-2310523D0B3F}" type="datetimeFigureOut">
-              <a:rPr lang="en-US" smtClean="0"/>
-              <a:t>7/18/2016</a:t>
+            <a:fld id="{F9EABCE4-471C-4DEC-9C9F-A58F050A4848}" type="datetimeFigureOut">
+              <a:rPr lang="en-CA" smtClean="0"/>
+              <a:t>2016-08-19</a:t>
             </a:fld>
-            <a:endParaRPr lang="en-US"/>
+            <a:endParaRPr lang="en-CA"/>
           </a:p>
         </p:txBody>
       </p:sp>
@@ -1075,7 +1026,7 @@
           <a:bodyPr/>
           <a:lstStyle/>
           <a:p>
-            <a:endParaRPr lang="en-US"/>
+            <a:endParaRPr lang="en-CA"/>
           </a:p>
         </p:txBody>
       </p:sp>
@@ -1094,18 +1045,18 @@
           <a:bodyPr/>
           <a:lstStyle/>
           <a:p>
-            <a:fld id="{6B5B511D-EFFD-4386-BCF9-544EAD73D2C4}" type="slidenum">
-              <a:rPr lang="en-US" smtClean="0"/>
+            <a:fld id="{D9FA85C2-9666-4381-BDB5-C10F74A33BB3}" type="slidenum">
+              <a:rPr lang="en-CA" smtClean="0"/>
               <a:t>‹#›</a:t>
             </a:fld>
-            <a:endParaRPr lang="en-US"/>
+            <a:endParaRPr lang="en-CA"/>
           </a:p>
         </p:txBody>
       </p:sp>
     </p:spTree>
     <p:extLst>
       <p:ext uri="{BB962C8B-B14F-4D97-AF65-F5344CB8AC3E}">
-        <p14:creationId xmlns:p14="http://schemas.microsoft.com/office/powerpoint/2010/main" val="1258899825"/>
+        <p14:creationId xmlns:p14="http://schemas.microsoft.com/office/powerpoint/2010/main" val="1132092417"/>
       </p:ext>
     </p:extLst>
   </p:cSld>
@@ -1148,10 +1099,10 @@
           <a:lstStyle/>
           <a:p>
             <a:r>
-              <a:rPr lang="en-US" smtClean="0"/>
+              <a:rPr lang="en-US"/>
               <a:t>Click to edit Master title style</a:t>
             </a:r>
-            <a:endParaRPr lang="en-US"/>
+            <a:endParaRPr lang="en-CA"/>
           </a:p>
         </p:txBody>
       </p:sp>
@@ -1167,76 +1118,48 @@
         </p:nvSpPr>
         <p:spPr>
           <a:xfrm>
-            <a:off x="457200" y="1017482"/>
-            <a:ext cx="4038600" cy="2875491"/>
+            <a:off x="838200" y="1825625"/>
+            <a:ext cx="5181600" cy="4351338"/>
           </a:xfrm>
         </p:spPr>
         <p:txBody>
           <a:bodyPr/>
-          <a:lstStyle>
-            <a:lvl1pPr>
-              <a:defRPr sz="2800"/>
-            </a:lvl1pPr>
-            <a:lvl2pPr>
-              <a:defRPr sz="2400"/>
-            </a:lvl2pPr>
-            <a:lvl3pPr>
-              <a:defRPr sz="2000"/>
-            </a:lvl3pPr>
-            <a:lvl4pPr>
-              <a:defRPr sz="1800"/>
-            </a:lvl4pPr>
-            <a:lvl5pPr>
-              <a:defRPr sz="1800"/>
-            </a:lvl5pPr>
-            <a:lvl6pPr>
-              <a:defRPr sz="1800"/>
-            </a:lvl6pPr>
-            <a:lvl7pPr>
-              <a:defRPr sz="1800"/>
-            </a:lvl7pPr>
-            <a:lvl8pPr>
-              <a:defRPr sz="1800"/>
-            </a:lvl8pPr>
-            <a:lvl9pPr>
-              <a:defRPr sz="1800"/>
-            </a:lvl9pPr>
-          </a:lstStyle>
+          <a:lstStyle/>
           <a:p>
             <a:pPr lvl="0"/>
             <a:r>
-              <a:rPr lang="en-US" smtClean="0"/>
-              <a:t>Click to edit Master text styles</a:t>
+              <a:rPr lang="en-US"/>
+              <a:t>Edit Master text styles</a:t>
             </a:r>
           </a:p>
           <a:p>
             <a:pPr lvl="1"/>
             <a:r>
-              <a:rPr lang="en-US" smtClean="0"/>
+              <a:rPr lang="en-US"/>
               <a:t>Second level</a:t>
             </a:r>
           </a:p>
           <a:p>
             <a:pPr lvl="2"/>
             <a:r>
-              <a:rPr lang="en-US" smtClean="0"/>
+              <a:rPr lang="en-US"/>
               <a:t>Third level</a:t>
             </a:r>
           </a:p>
           <a:p>
             <a:pPr lvl="3"/>
             <a:r>
-              <a:rPr lang="en-US" smtClean="0"/>
+              <a:rPr lang="en-US"/>
               <a:t>Fourth level</a:t>
             </a:r>
           </a:p>
           <a:p>
             <a:pPr lvl="4"/>
             <a:r>
-              <a:rPr lang="en-US" smtClean="0"/>
+              <a:rPr lang="en-US"/>
               <a:t>Fifth level</a:t>
             </a:r>
-            <a:endParaRPr lang="en-US"/>
+            <a:endParaRPr lang="en-CA"/>
           </a:p>
         </p:txBody>
       </p:sp>
@@ -1252,76 +1175,48 @@
         </p:nvSpPr>
         <p:spPr>
           <a:xfrm>
-            <a:off x="4648200" y="1017482"/>
-            <a:ext cx="4038600" cy="2875491"/>
+            <a:off x="6172200" y="1825625"/>
+            <a:ext cx="5181600" cy="4351338"/>
           </a:xfrm>
         </p:spPr>
         <p:txBody>
           <a:bodyPr/>
-          <a:lstStyle>
-            <a:lvl1pPr>
-              <a:defRPr sz="2800"/>
-            </a:lvl1pPr>
-            <a:lvl2pPr>
-              <a:defRPr sz="2400"/>
-            </a:lvl2pPr>
-            <a:lvl3pPr>
-              <a:defRPr sz="2000"/>
-            </a:lvl3pPr>
-            <a:lvl4pPr>
-              <a:defRPr sz="1800"/>
-            </a:lvl4pPr>
-            <a:lvl5pPr>
-              <a:defRPr sz="1800"/>
-            </a:lvl5pPr>
-            <a:lvl6pPr>
-              <a:defRPr sz="1800"/>
-            </a:lvl6pPr>
-            <a:lvl7pPr>
-              <a:defRPr sz="1800"/>
-            </a:lvl7pPr>
-            <a:lvl8pPr>
-              <a:defRPr sz="1800"/>
-            </a:lvl8pPr>
-            <a:lvl9pPr>
-              <a:defRPr sz="1800"/>
-            </a:lvl9pPr>
-          </a:lstStyle>
+          <a:lstStyle/>
           <a:p>
             <a:pPr lvl="0"/>
             <a:r>
-              <a:rPr lang="en-US" smtClean="0"/>
-              <a:t>Click to edit Master text styles</a:t>
+              <a:rPr lang="en-US"/>
+              <a:t>Edit Master text styles</a:t>
             </a:r>
           </a:p>
           <a:p>
             <a:pPr lvl="1"/>
             <a:r>
-              <a:rPr lang="en-US" smtClean="0"/>
+              <a:rPr lang="en-US"/>
               <a:t>Second level</a:t>
             </a:r>
           </a:p>
           <a:p>
             <a:pPr lvl="2"/>
             <a:r>
-              <a:rPr lang="en-US" smtClean="0"/>
+              <a:rPr lang="en-US"/>
               <a:t>Third level</a:t>
             </a:r>
           </a:p>
           <a:p>
             <a:pPr lvl="3"/>
             <a:r>
-              <a:rPr lang="en-US" smtClean="0"/>
+              <a:rPr lang="en-US"/>
               <a:t>Fourth level</a:t>
             </a:r>
           </a:p>
           <a:p>
             <a:pPr lvl="4"/>
             <a:r>
-              <a:rPr lang="en-US" smtClean="0"/>
+              <a:rPr lang="en-US"/>
               <a:t>Fifth level</a:t>
             </a:r>
-            <a:endParaRPr lang="en-US"/>
+            <a:endParaRPr lang="en-CA"/>
           </a:p>
         </p:txBody>
       </p:sp>
@@ -1340,11 +1235,11 @@
           <a:bodyPr/>
           <a:lstStyle/>
           <a:p>
-            <a:fld id="{5E78BC5E-CFC6-42C6-9AD4-2310523D0B3F}" type="datetimeFigureOut">
-              <a:rPr lang="en-US" smtClean="0"/>
-              <a:t>7/18/2016</a:t>
+            <a:fld id="{F9EABCE4-471C-4DEC-9C9F-A58F050A4848}" type="datetimeFigureOut">
+              <a:rPr lang="en-CA" smtClean="0"/>
+              <a:t>2016-08-19</a:t>
             </a:fld>
-            <a:endParaRPr lang="en-US"/>
+            <a:endParaRPr lang="en-CA"/>
           </a:p>
         </p:txBody>
       </p:sp>
@@ -1363,7 +1258,7 @@
           <a:bodyPr/>
           <a:lstStyle/>
           <a:p>
-            <a:endParaRPr lang="en-US"/>
+            <a:endParaRPr lang="en-CA"/>
           </a:p>
         </p:txBody>
       </p:sp>
@@ -1382,18 +1277,18 @@
           <a:bodyPr/>
           <a:lstStyle/>
           <a:p>
-            <a:fld id="{6B5B511D-EFFD-4386-BCF9-544EAD73D2C4}" type="slidenum">
-              <a:rPr lang="en-US" smtClean="0"/>
+            <a:fld id="{D9FA85C2-9666-4381-BDB5-C10F74A33BB3}" type="slidenum">
+              <a:rPr lang="en-CA" smtClean="0"/>
               <a:t>‹#›</a:t>
             </a:fld>
-            <a:endParaRPr lang="en-US"/>
+            <a:endParaRPr lang="en-CA"/>
           </a:p>
         </p:txBody>
       </p:sp>
     </p:spTree>
     <p:extLst>
       <p:ext uri="{BB962C8B-B14F-4D97-AF65-F5344CB8AC3E}">
-        <p14:creationId xmlns:p14="http://schemas.microsoft.com/office/powerpoint/2010/main" val="724196357"/>
+        <p14:creationId xmlns:p14="http://schemas.microsoft.com/office/powerpoint/2010/main" val="270056530"/>
       </p:ext>
     </p:extLst>
   </p:cSld>
@@ -1432,23 +1327,19 @@
         </p:nvSpPr>
         <p:spPr>
           <a:xfrm>
-            <a:off x="457200" y="201402"/>
-            <a:ext cx="8229600" cy="838200"/>
+            <a:off x="839788" y="365125"/>
+            <a:ext cx="10515600" cy="1325563"/>
           </a:xfrm>
         </p:spPr>
         <p:txBody>
           <a:bodyPr/>
-          <a:lstStyle>
-            <a:lvl1pPr>
-              <a:defRPr/>
-            </a:lvl1pPr>
-          </a:lstStyle>
-          <a:p>
-            <a:r>
-              <a:rPr lang="en-US" smtClean="0"/>
+          <a:lstStyle/>
+          <a:p>
+            <a:r>
+              <a:rPr lang="en-US"/>
               <a:t>Click to edit Master title style</a:t>
             </a:r>
-            <a:endParaRPr lang="en-US"/>
+            <a:endParaRPr lang="en-CA"/>
           </a:p>
         </p:txBody>
       </p:sp>
@@ -1464,8 +1355,8 @@
         </p:nvSpPr>
         <p:spPr>
           <a:xfrm>
-            <a:off x="457200" y="1125750"/>
-            <a:ext cx="4040188" cy="469158"/>
+            <a:off x="839788" y="1681163"/>
+            <a:ext cx="5157787" cy="823912"/>
           </a:xfrm>
         </p:spPr>
         <p:txBody>
@@ -1511,8 +1402,8 @@
           <a:p>
             <a:pPr lvl="0"/>
             <a:r>
-              <a:rPr lang="en-US" smtClean="0"/>
-              <a:t>Click to edit Master text styles</a:t>
+              <a:rPr lang="en-US"/>
+              <a:t>Edit Master text styles</a:t>
             </a:r>
           </a:p>
         </p:txBody>
@@ -1529,76 +1420,48 @@
         </p:nvSpPr>
         <p:spPr>
           <a:xfrm>
-            <a:off x="457200" y="1594908"/>
-            <a:ext cx="4040188" cy="2897612"/>
+            <a:off x="839788" y="2505075"/>
+            <a:ext cx="5157787" cy="3684588"/>
           </a:xfrm>
         </p:spPr>
         <p:txBody>
           <a:bodyPr/>
-          <a:lstStyle>
-            <a:lvl1pPr>
-              <a:defRPr sz="2400"/>
-            </a:lvl1pPr>
-            <a:lvl2pPr>
-              <a:defRPr sz="2000"/>
-            </a:lvl2pPr>
-            <a:lvl3pPr>
-              <a:defRPr sz="1800"/>
-            </a:lvl3pPr>
-            <a:lvl4pPr>
-              <a:defRPr sz="1600"/>
-            </a:lvl4pPr>
-            <a:lvl5pPr>
-              <a:defRPr sz="1600"/>
-            </a:lvl5pPr>
-            <a:lvl6pPr>
-              <a:defRPr sz="1600"/>
-            </a:lvl6pPr>
-            <a:lvl7pPr>
-              <a:defRPr sz="1600"/>
-            </a:lvl7pPr>
-            <a:lvl8pPr>
-              <a:defRPr sz="1600"/>
-            </a:lvl8pPr>
-            <a:lvl9pPr>
-              <a:defRPr sz="1600"/>
-            </a:lvl9pPr>
-          </a:lstStyle>
+          <a:lstStyle/>
           <a:p>
             <a:pPr lvl="0"/>
             <a:r>
-              <a:rPr lang="en-US" smtClean="0"/>
-              <a:t>Click to edit Master text styles</a:t>
+              <a:rPr lang="en-US"/>
+              <a:t>Edit Master text styles</a:t>
             </a:r>
           </a:p>
           <a:p>
             <a:pPr lvl="1"/>
             <a:r>
-              <a:rPr lang="en-US" smtClean="0"/>
+              <a:rPr lang="en-US"/>
               <a:t>Second level</a:t>
             </a:r>
           </a:p>
           <a:p>
             <a:pPr lvl="2"/>
             <a:r>
-              <a:rPr lang="en-US" smtClean="0"/>
+              <a:rPr lang="en-US"/>
               <a:t>Third level</a:t>
             </a:r>
           </a:p>
           <a:p>
             <a:pPr lvl="3"/>
             <a:r>
-              <a:rPr lang="en-US" smtClean="0"/>
+              <a:rPr lang="en-US"/>
               <a:t>Fourth level</a:t>
             </a:r>
           </a:p>
           <a:p>
             <a:pPr lvl="4"/>
             <a:r>
-              <a:rPr lang="en-US" smtClean="0"/>
+              <a:rPr lang="en-US"/>
               <a:t>Fifth level</a:t>
             </a:r>
-            <a:endParaRPr lang="en-US"/>
+            <a:endParaRPr lang="en-CA"/>
           </a:p>
         </p:txBody>
       </p:sp>
@@ -1614,8 +1477,8 @@
         </p:nvSpPr>
         <p:spPr>
           <a:xfrm>
-            <a:off x="4645027" y="1125750"/>
-            <a:ext cx="4041775" cy="469158"/>
+            <a:off x="6172200" y="1681163"/>
+            <a:ext cx="5183188" cy="823912"/>
           </a:xfrm>
         </p:spPr>
         <p:txBody>
@@ -1661,8 +1524,8 @@
           <a:p>
             <a:pPr lvl="0"/>
             <a:r>
-              <a:rPr lang="en-US" smtClean="0"/>
-              <a:t>Click to edit Master text styles</a:t>
+              <a:rPr lang="en-US"/>
+              <a:t>Edit Master text styles</a:t>
             </a:r>
           </a:p>
         </p:txBody>
@@ -1679,76 +1542,48 @@
         </p:nvSpPr>
         <p:spPr>
           <a:xfrm>
-            <a:off x="4645027" y="1594908"/>
-            <a:ext cx="4041775" cy="2897612"/>
+            <a:off x="6172200" y="2505075"/>
+            <a:ext cx="5183188" cy="3684588"/>
           </a:xfrm>
         </p:spPr>
         <p:txBody>
           <a:bodyPr/>
-          <a:lstStyle>
-            <a:lvl1pPr>
-              <a:defRPr sz="2400"/>
-            </a:lvl1pPr>
-            <a:lvl2pPr>
-              <a:defRPr sz="2000"/>
-            </a:lvl2pPr>
-            <a:lvl3pPr>
-              <a:defRPr sz="1800"/>
-            </a:lvl3pPr>
-            <a:lvl4pPr>
-              <a:defRPr sz="1600"/>
-            </a:lvl4pPr>
-            <a:lvl5pPr>
-              <a:defRPr sz="1600"/>
-            </a:lvl5pPr>
-            <a:lvl6pPr>
-              <a:defRPr sz="1600"/>
-            </a:lvl6pPr>
-            <a:lvl7pPr>
-              <a:defRPr sz="1600"/>
-            </a:lvl7pPr>
-            <a:lvl8pPr>
-              <a:defRPr sz="1600"/>
-            </a:lvl8pPr>
-            <a:lvl9pPr>
-              <a:defRPr sz="1600"/>
-            </a:lvl9pPr>
-          </a:lstStyle>
+          <a:lstStyle/>
           <a:p>
             <a:pPr lvl="0"/>
             <a:r>
-              <a:rPr lang="en-US" smtClean="0"/>
-              <a:t>Click to edit Master text styles</a:t>
+              <a:rPr lang="en-US"/>
+              <a:t>Edit Master text styles</a:t>
             </a:r>
           </a:p>
           <a:p>
             <a:pPr lvl="1"/>
             <a:r>
-              <a:rPr lang="en-US" smtClean="0"/>
+              <a:rPr lang="en-US"/>
               <a:t>Second level</a:t>
             </a:r>
           </a:p>
           <a:p>
             <a:pPr lvl="2"/>
             <a:r>
-              <a:rPr lang="en-US" smtClean="0"/>
+              <a:rPr lang="en-US"/>
               <a:t>Third level</a:t>
             </a:r>
           </a:p>
           <a:p>
             <a:pPr lvl="3"/>
             <a:r>
-              <a:rPr lang="en-US" smtClean="0"/>
+              <a:rPr lang="en-US"/>
               <a:t>Fourth level</a:t>
             </a:r>
           </a:p>
           <a:p>
             <a:pPr lvl="4"/>
             <a:r>
-              <a:rPr lang="en-US" smtClean="0"/>
+              <a:rPr lang="en-US"/>
               <a:t>Fifth level</a:t>
             </a:r>
-            <a:endParaRPr lang="en-US"/>
+            <a:endParaRPr lang="en-CA"/>
           </a:p>
         </p:txBody>
       </p:sp>
@@ -1767,11 +1602,11 @@
           <a:bodyPr/>
           <a:lstStyle/>
           <a:p>
-            <a:fld id="{5E78BC5E-CFC6-42C6-9AD4-2310523D0B3F}" type="datetimeFigureOut">
-              <a:rPr lang="en-US" smtClean="0"/>
-              <a:t>7/18/2016</a:t>
+            <a:fld id="{F9EABCE4-471C-4DEC-9C9F-A58F050A4848}" type="datetimeFigureOut">
+              <a:rPr lang="en-CA" smtClean="0"/>
+              <a:t>2016-08-19</a:t>
             </a:fld>
-            <a:endParaRPr lang="en-US"/>
+            <a:endParaRPr lang="en-CA"/>
           </a:p>
         </p:txBody>
       </p:sp>
@@ -1790,7 +1625,7 @@
           <a:bodyPr/>
           <a:lstStyle/>
           <a:p>
-            <a:endParaRPr lang="en-US"/>
+            <a:endParaRPr lang="en-CA"/>
           </a:p>
         </p:txBody>
       </p:sp>
@@ -1809,18 +1644,18 @@
           <a:bodyPr/>
           <a:lstStyle/>
           <a:p>
-            <a:fld id="{6B5B511D-EFFD-4386-BCF9-544EAD73D2C4}" type="slidenum">
-              <a:rPr lang="en-US" smtClean="0"/>
+            <a:fld id="{D9FA85C2-9666-4381-BDB5-C10F74A33BB3}" type="slidenum">
+              <a:rPr lang="en-CA" smtClean="0"/>
               <a:t>‹#›</a:t>
             </a:fld>
-            <a:endParaRPr lang="en-US"/>
+            <a:endParaRPr lang="en-CA"/>
           </a:p>
         </p:txBody>
       </p:sp>
     </p:spTree>
     <p:extLst>
       <p:ext uri="{BB962C8B-B14F-4D97-AF65-F5344CB8AC3E}">
-        <p14:creationId xmlns:p14="http://schemas.microsoft.com/office/powerpoint/2010/main" val="1244733717"/>
+        <p14:creationId xmlns:p14="http://schemas.microsoft.com/office/powerpoint/2010/main" val="33191356"/>
       </p:ext>
     </p:extLst>
   </p:cSld>
@@ -1863,10 +1698,10 @@
           <a:lstStyle/>
           <a:p>
             <a:r>
-              <a:rPr lang="en-US" smtClean="0"/>
+              <a:rPr lang="en-US"/>
               <a:t>Click to edit Master title style</a:t>
             </a:r>
-            <a:endParaRPr lang="en-US"/>
+            <a:endParaRPr lang="en-CA"/>
           </a:p>
         </p:txBody>
       </p:sp>
@@ -1885,11 +1720,11 @@
           <a:bodyPr/>
           <a:lstStyle/>
           <a:p>
-            <a:fld id="{5E78BC5E-CFC6-42C6-9AD4-2310523D0B3F}" type="datetimeFigureOut">
-              <a:rPr lang="en-US" smtClean="0"/>
-              <a:t>7/18/2016</a:t>
+            <a:fld id="{F9EABCE4-471C-4DEC-9C9F-A58F050A4848}" type="datetimeFigureOut">
+              <a:rPr lang="en-CA" smtClean="0"/>
+              <a:t>2016-08-19</a:t>
             </a:fld>
-            <a:endParaRPr lang="en-US"/>
+            <a:endParaRPr lang="en-CA"/>
           </a:p>
         </p:txBody>
       </p:sp>
@@ -1908,7 +1743,7 @@
           <a:bodyPr/>
           <a:lstStyle/>
           <a:p>
-            <a:endParaRPr lang="en-US"/>
+            <a:endParaRPr lang="en-CA"/>
           </a:p>
         </p:txBody>
       </p:sp>
@@ -1927,18 +1762,18 @@
           <a:bodyPr/>
           <a:lstStyle/>
           <a:p>
-            <a:fld id="{6B5B511D-EFFD-4386-BCF9-544EAD73D2C4}" type="slidenum">
-              <a:rPr lang="en-US" smtClean="0"/>
+            <a:fld id="{D9FA85C2-9666-4381-BDB5-C10F74A33BB3}" type="slidenum">
+              <a:rPr lang="en-CA" smtClean="0"/>
               <a:t>‹#›</a:t>
             </a:fld>
-            <a:endParaRPr lang="en-US"/>
+            <a:endParaRPr lang="en-CA"/>
           </a:p>
         </p:txBody>
       </p:sp>
     </p:spTree>
     <p:extLst>
       <p:ext uri="{BB962C8B-B14F-4D97-AF65-F5344CB8AC3E}">
-        <p14:creationId xmlns:p14="http://schemas.microsoft.com/office/powerpoint/2010/main" val="459010511"/>
+        <p14:creationId xmlns:p14="http://schemas.microsoft.com/office/powerpoint/2010/main" val="2186492401"/>
       </p:ext>
     </p:extLst>
   </p:cSld>
@@ -1980,11 +1815,11 @@
           <a:bodyPr/>
           <a:lstStyle/>
           <a:p>
-            <a:fld id="{5E78BC5E-CFC6-42C6-9AD4-2310523D0B3F}" type="datetimeFigureOut">
-              <a:rPr lang="en-US" smtClean="0"/>
-              <a:t>7/18/2016</a:t>
+            <a:fld id="{F9EABCE4-471C-4DEC-9C9F-A58F050A4848}" type="datetimeFigureOut">
+              <a:rPr lang="en-CA" smtClean="0"/>
+              <a:t>2016-08-19</a:t>
             </a:fld>
-            <a:endParaRPr lang="en-US"/>
+            <a:endParaRPr lang="en-CA"/>
           </a:p>
         </p:txBody>
       </p:sp>
@@ -2003,7 +1838,7 @@
           <a:bodyPr/>
           <a:lstStyle/>
           <a:p>
-            <a:endParaRPr lang="en-US"/>
+            <a:endParaRPr lang="en-CA"/>
           </a:p>
         </p:txBody>
       </p:sp>
@@ -2022,18 +1857,18 @@
           <a:bodyPr/>
           <a:lstStyle/>
           <a:p>
-            <a:fld id="{6B5B511D-EFFD-4386-BCF9-544EAD73D2C4}" type="slidenum">
-              <a:rPr lang="en-US" smtClean="0"/>
+            <a:fld id="{D9FA85C2-9666-4381-BDB5-C10F74A33BB3}" type="slidenum">
+              <a:rPr lang="en-CA" smtClean="0"/>
               <a:t>‹#›</a:t>
             </a:fld>
-            <a:endParaRPr lang="en-US"/>
+            <a:endParaRPr lang="en-CA"/>
           </a:p>
         </p:txBody>
       </p:sp>
     </p:spTree>
     <p:extLst>
       <p:ext uri="{BB962C8B-B14F-4D97-AF65-F5344CB8AC3E}">
-        <p14:creationId xmlns:p14="http://schemas.microsoft.com/office/powerpoint/2010/main" val="30790051"/>
+        <p14:creationId xmlns:p14="http://schemas.microsoft.com/office/powerpoint/2010/main" val="1667889724"/>
       </p:ext>
     </p:extLst>
   </p:cSld>
@@ -2072,23 +1907,23 @@
         </p:nvSpPr>
         <p:spPr>
           <a:xfrm>
-            <a:off x="457202" y="200236"/>
-            <a:ext cx="3008313" cy="852170"/>
+            <a:off x="839788" y="457200"/>
+            <a:ext cx="3932237" cy="1600200"/>
           </a:xfrm>
         </p:spPr>
         <p:txBody>
           <a:bodyPr anchor="b"/>
           <a:lstStyle>
-            <a:lvl1pPr algn="l">
-              <a:defRPr sz="2000" b="1"/>
+            <a:lvl1pPr>
+              <a:defRPr sz="3200"/>
             </a:lvl1pPr>
           </a:lstStyle>
           <a:p>
             <a:r>
-              <a:rPr lang="en-US" smtClean="0"/>
+              <a:rPr lang="en-US"/>
               <a:t>Click to edit Master title style</a:t>
             </a:r>
-            <a:endParaRPr lang="en-US"/>
+            <a:endParaRPr lang="en-CA"/>
           </a:p>
         </p:txBody>
       </p:sp>
@@ -2104,8 +1939,8 @@
         </p:nvSpPr>
         <p:spPr>
           <a:xfrm>
-            <a:off x="3575050" y="200237"/>
-            <a:ext cx="5111750" cy="4292283"/>
+            <a:off x="5183188" y="987425"/>
+            <a:ext cx="6172200" cy="4873625"/>
           </a:xfrm>
         </p:spPr>
         <p:txBody>
@@ -2142,38 +1977,38 @@
           <a:p>
             <a:pPr lvl="0"/>
             <a:r>
-              <a:rPr lang="en-US" smtClean="0"/>
-              <a:t>Click to edit Master text styles</a:t>
+              <a:rPr lang="en-US"/>
+              <a:t>Edit Master text styles</a:t>
             </a:r>
           </a:p>
           <a:p>
             <a:pPr lvl="1"/>
             <a:r>
-              <a:rPr lang="en-US" smtClean="0"/>
+              <a:rPr lang="en-US"/>
               <a:t>Second level</a:t>
             </a:r>
           </a:p>
           <a:p>
             <a:pPr lvl="2"/>
             <a:r>
-              <a:rPr lang="en-US" smtClean="0"/>
+              <a:rPr lang="en-US"/>
               <a:t>Third level</a:t>
             </a:r>
           </a:p>
           <a:p>
             <a:pPr lvl="3"/>
             <a:r>
-              <a:rPr lang="en-US" smtClean="0"/>
+              <a:rPr lang="en-US"/>
               <a:t>Fourth level</a:t>
             </a:r>
           </a:p>
           <a:p>
             <a:pPr lvl="4"/>
             <a:r>
-              <a:rPr lang="en-US" smtClean="0"/>
+              <a:rPr lang="en-US"/>
               <a:t>Fifth level</a:t>
             </a:r>
-            <a:endParaRPr lang="en-US"/>
+            <a:endParaRPr lang="en-CA"/>
           </a:p>
         </p:txBody>
       </p:sp>
@@ -2189,8 +2024,8 @@
         </p:nvSpPr>
         <p:spPr>
           <a:xfrm>
-            <a:off x="457202" y="1052407"/>
-            <a:ext cx="3008313" cy="3440113"/>
+            <a:off x="839788" y="2057400"/>
+            <a:ext cx="3932237" cy="3811588"/>
           </a:xfrm>
         </p:spPr>
         <p:txBody>
@@ -2198,46 +2033,46 @@
           <a:lstStyle>
             <a:lvl1pPr marL="0" indent="0">
               <a:buNone/>
-              <a:defRPr sz="1400"/>
+              <a:defRPr sz="1600"/>
             </a:lvl1pPr>
             <a:lvl2pPr marL="457200" indent="0">
               <a:buNone/>
-              <a:defRPr sz="1200"/>
+              <a:defRPr sz="1400"/>
             </a:lvl2pPr>
             <a:lvl3pPr marL="914400" indent="0">
               <a:buNone/>
-              <a:defRPr sz="1000"/>
+              <a:defRPr sz="1200"/>
             </a:lvl3pPr>
             <a:lvl4pPr marL="1371600" indent="0">
               <a:buNone/>
-              <a:defRPr sz="900"/>
+              <a:defRPr sz="1000"/>
             </a:lvl4pPr>
             <a:lvl5pPr marL="1828800" indent="0">
               <a:buNone/>
-              <a:defRPr sz="900"/>
+              <a:defRPr sz="1000"/>
             </a:lvl5pPr>
             <a:lvl6pPr marL="2286000" indent="0">
               <a:buNone/>
-              <a:defRPr sz="900"/>
+              <a:defRPr sz="1000"/>
             </a:lvl6pPr>
             <a:lvl7pPr marL="2743200" indent="0">
               <a:buNone/>
-              <a:defRPr sz="900"/>
+              <a:defRPr sz="1000"/>
             </a:lvl7pPr>
             <a:lvl8pPr marL="3200400" indent="0">
               <a:buNone/>
-              <a:defRPr sz="900"/>
+              <a:defRPr sz="1000"/>
             </a:lvl8pPr>
             <a:lvl9pPr marL="3657600" indent="0">
               <a:buNone/>
-              <a:defRPr sz="900"/>
+              <a:defRPr sz="1000"/>
             </a:lvl9pPr>
           </a:lstStyle>
           <a:p>
             <a:pPr lvl="0"/>
             <a:r>
-              <a:rPr lang="en-US" smtClean="0"/>
-              <a:t>Click to edit Master text styles</a:t>
+              <a:rPr lang="en-US"/>
+              <a:t>Edit Master text styles</a:t>
             </a:r>
           </a:p>
         </p:txBody>
@@ -2257,11 +2092,11 @@
           <a:bodyPr/>
           <a:lstStyle/>
           <a:p>
-            <a:fld id="{5E78BC5E-CFC6-42C6-9AD4-2310523D0B3F}" type="datetimeFigureOut">
-              <a:rPr lang="en-US" smtClean="0"/>
-              <a:t>7/18/2016</a:t>
+            <a:fld id="{F9EABCE4-471C-4DEC-9C9F-A58F050A4848}" type="datetimeFigureOut">
+              <a:rPr lang="en-CA" smtClean="0"/>
+              <a:t>2016-08-19</a:t>
             </a:fld>
-            <a:endParaRPr lang="en-US"/>
+            <a:endParaRPr lang="en-CA"/>
           </a:p>
         </p:txBody>
       </p:sp>
@@ -2280,7 +2115,7 @@
           <a:bodyPr/>
           <a:lstStyle/>
           <a:p>
-            <a:endParaRPr lang="en-US"/>
+            <a:endParaRPr lang="en-CA"/>
           </a:p>
         </p:txBody>
       </p:sp>
@@ -2299,18 +2134,18 @@
           <a:bodyPr/>
           <a:lstStyle/>
           <a:p>
-            <a:fld id="{6B5B511D-EFFD-4386-BCF9-544EAD73D2C4}" type="slidenum">
-              <a:rPr lang="en-US" smtClean="0"/>
+            <a:fld id="{D9FA85C2-9666-4381-BDB5-C10F74A33BB3}" type="slidenum">
+              <a:rPr lang="en-CA" smtClean="0"/>
               <a:t>‹#›</a:t>
             </a:fld>
-            <a:endParaRPr lang="en-US"/>
+            <a:endParaRPr lang="en-CA"/>
           </a:p>
         </p:txBody>
       </p:sp>
     </p:spTree>
     <p:extLst>
       <p:ext uri="{BB962C8B-B14F-4D97-AF65-F5344CB8AC3E}">
-        <p14:creationId xmlns:p14="http://schemas.microsoft.com/office/powerpoint/2010/main" val="3675248587"/>
+        <p14:creationId xmlns:p14="http://schemas.microsoft.com/office/powerpoint/2010/main" val="3857088373"/>
       </p:ext>
     </p:extLst>
   </p:cSld>
@@ -2349,23 +2184,23 @@
         </p:nvSpPr>
         <p:spPr>
           <a:xfrm>
-            <a:off x="1792288" y="3520440"/>
-            <a:ext cx="5486400" cy="415608"/>
+            <a:off x="839788" y="457200"/>
+            <a:ext cx="3932237" cy="1600200"/>
           </a:xfrm>
         </p:spPr>
         <p:txBody>
           <a:bodyPr anchor="b"/>
           <a:lstStyle>
-            <a:lvl1pPr algn="l">
-              <a:defRPr sz="2000" b="1"/>
+            <a:lvl1pPr>
+              <a:defRPr sz="3200"/>
             </a:lvl1pPr>
           </a:lstStyle>
           <a:p>
             <a:r>
-              <a:rPr lang="en-US" smtClean="0"/>
+              <a:rPr lang="en-US"/>
               <a:t>Click to edit Master title style</a:t>
             </a:r>
-            <a:endParaRPr lang="en-US"/>
+            <a:endParaRPr lang="en-CA"/>
           </a:p>
         </p:txBody>
       </p:sp>
@@ -2381,8 +2216,8 @@
         </p:nvSpPr>
         <p:spPr>
           <a:xfrm>
-            <a:off x="1792288" y="449369"/>
-            <a:ext cx="5486400" cy="3017520"/>
+            <a:off x="5183188" y="987425"/>
+            <a:ext cx="6172200" cy="4873625"/>
           </a:xfrm>
         </p:spPr>
         <p:txBody>
@@ -2426,7 +2261,7 @@
             </a:lvl9pPr>
           </a:lstStyle>
           <a:p>
-            <a:endParaRPr lang="en-US"/>
+            <a:endParaRPr lang="en-CA"/>
           </a:p>
         </p:txBody>
       </p:sp>
@@ -2442,8 +2277,8 @@
         </p:nvSpPr>
         <p:spPr>
           <a:xfrm>
-            <a:off x="1792288" y="3936048"/>
-            <a:ext cx="5486400" cy="590232"/>
+            <a:off x="839788" y="2057400"/>
+            <a:ext cx="3932237" cy="3811588"/>
           </a:xfrm>
         </p:spPr>
         <p:txBody>
@@ -2451,46 +2286,46 @@
           <a:lstStyle>
             <a:lvl1pPr marL="0" indent="0">
               <a:buNone/>
-              <a:defRPr sz="1400"/>
+              <a:defRPr sz="1600"/>
             </a:lvl1pPr>
             <a:lvl2pPr marL="457200" indent="0">
               <a:buNone/>
-              <a:defRPr sz="1200"/>
+              <a:defRPr sz="1400"/>
             </a:lvl2pPr>
             <a:lvl3pPr marL="914400" indent="0">
               <a:buNone/>
-              <a:defRPr sz="1000"/>
+              <a:defRPr sz="1200"/>
             </a:lvl3pPr>
             <a:lvl4pPr marL="1371600" indent="0">
               <a:buNone/>
-              <a:defRPr sz="900"/>
+              <a:defRPr sz="1000"/>
             </a:lvl4pPr>
             <a:lvl5pPr marL="1828800" indent="0">
               <a:buNone/>
-              <a:defRPr sz="900"/>
+              <a:defRPr sz="1000"/>
             </a:lvl5pPr>
             <a:lvl6pPr marL="2286000" indent="0">
               <a:buNone/>
-              <a:defRPr sz="900"/>
+              <a:defRPr sz="1000"/>
             </a:lvl6pPr>
             <a:lvl7pPr marL="2743200" indent="0">
               <a:buNone/>
-              <a:defRPr sz="900"/>
+              <a:defRPr sz="1000"/>
             </a:lvl7pPr>
             <a:lvl8pPr marL="3200400" indent="0">
               <a:buNone/>
-              <a:defRPr sz="900"/>
+              <a:defRPr sz="1000"/>
             </a:lvl8pPr>
             <a:lvl9pPr marL="3657600" indent="0">
               <a:buNone/>
-              <a:defRPr sz="900"/>
+              <a:defRPr sz="1000"/>
             </a:lvl9pPr>
           </a:lstStyle>
           <a:p>
             <a:pPr lvl="0"/>
             <a:r>
-              <a:rPr lang="en-US" smtClean="0"/>
-              <a:t>Click to edit Master text styles</a:t>
+              <a:rPr lang="en-US"/>
+              <a:t>Edit Master text styles</a:t>
             </a:r>
           </a:p>
         </p:txBody>
@@ -2510,11 +2345,11 @@
           <a:bodyPr/>
           <a:lstStyle/>
           <a:p>
-            <a:fld id="{5E78BC5E-CFC6-42C6-9AD4-2310523D0B3F}" type="datetimeFigureOut">
-              <a:rPr lang="en-US" smtClean="0"/>
-              <a:t>7/18/2016</a:t>
+            <a:fld id="{F9EABCE4-471C-4DEC-9C9F-A58F050A4848}" type="datetimeFigureOut">
+              <a:rPr lang="en-CA" smtClean="0"/>
+              <a:t>2016-08-19</a:t>
             </a:fld>
-            <a:endParaRPr lang="en-US"/>
+            <a:endParaRPr lang="en-CA"/>
           </a:p>
         </p:txBody>
       </p:sp>
@@ -2533,7 +2368,7 @@
           <a:bodyPr/>
           <a:lstStyle/>
           <a:p>
-            <a:endParaRPr lang="en-US"/>
+            <a:endParaRPr lang="en-CA"/>
           </a:p>
         </p:txBody>
       </p:sp>
@@ -2552,18 +2387,18 @@
           <a:bodyPr/>
           <a:lstStyle/>
           <a:p>
-            <a:fld id="{6B5B511D-EFFD-4386-BCF9-544EAD73D2C4}" type="slidenum">
-              <a:rPr lang="en-US" smtClean="0"/>
+            <a:fld id="{D9FA85C2-9666-4381-BDB5-C10F74A33BB3}" type="slidenum">
+              <a:rPr lang="en-CA" smtClean="0"/>
               <a:t>‹#›</a:t>
             </a:fld>
-            <a:endParaRPr lang="en-US"/>
+            <a:endParaRPr lang="en-CA"/>
           </a:p>
         </p:txBody>
       </p:sp>
     </p:spTree>
     <p:extLst>
       <p:ext uri="{BB962C8B-B14F-4D97-AF65-F5344CB8AC3E}">
-        <p14:creationId xmlns:p14="http://schemas.microsoft.com/office/powerpoint/2010/main" val="3169689284"/>
+        <p14:creationId xmlns:p14="http://schemas.microsoft.com/office/powerpoint/2010/main" val="3103462537"/>
       </p:ext>
     </p:extLst>
   </p:cSld>
@@ -2607,8 +2442,8 @@
         </p:nvSpPr>
         <p:spPr>
           <a:xfrm>
-            <a:off x="457200" y="201402"/>
-            <a:ext cx="8229600" cy="838200"/>
+            <a:off x="838200" y="365125"/>
+            <a:ext cx="10515600" cy="1325563"/>
           </a:xfrm>
           <a:prstGeom prst="rect">
             <a:avLst/>
@@ -2621,10 +2456,10 @@
           <a:lstStyle/>
           <a:p>
             <a:r>
-              <a:rPr lang="en-US" smtClean="0"/>
+              <a:rPr lang="en-US"/>
               <a:t>Click to edit Master title style</a:t>
             </a:r>
-            <a:endParaRPr lang="en-US"/>
+            <a:endParaRPr lang="en-CA"/>
           </a:p>
         </p:txBody>
       </p:sp>
@@ -2640,8 +2475,8 @@
         </p:nvSpPr>
         <p:spPr>
           <a:xfrm>
-            <a:off x="457200" y="1173481"/>
-            <a:ext cx="8229600" cy="3319039"/>
+            <a:off x="838200" y="1825625"/>
+            <a:ext cx="10515600" cy="4351338"/>
           </a:xfrm>
           <a:prstGeom prst="rect">
             <a:avLst/>
@@ -2655,38 +2490,38 @@
           <a:p>
             <a:pPr lvl="0"/>
             <a:r>
-              <a:rPr lang="en-US" smtClean="0"/>
-              <a:t>Click to edit Master text styles</a:t>
+              <a:rPr lang="en-US"/>
+              <a:t>Edit Master text styles</a:t>
             </a:r>
           </a:p>
           <a:p>
             <a:pPr lvl="1"/>
             <a:r>
-              <a:rPr lang="en-US" smtClean="0"/>
+              <a:rPr lang="en-US"/>
               <a:t>Second level</a:t>
             </a:r>
           </a:p>
           <a:p>
             <a:pPr lvl="2"/>
             <a:r>
-              <a:rPr lang="en-US" smtClean="0"/>
+              <a:rPr lang="en-US"/>
               <a:t>Third level</a:t>
             </a:r>
           </a:p>
           <a:p>
             <a:pPr lvl="3"/>
             <a:r>
-              <a:rPr lang="en-US" smtClean="0"/>
+              <a:rPr lang="en-US"/>
               <a:t>Fourth level</a:t>
             </a:r>
           </a:p>
           <a:p>
             <a:pPr lvl="4"/>
             <a:r>
-              <a:rPr lang="en-US" smtClean="0"/>
+              <a:rPr lang="en-US"/>
               <a:t>Fifth level</a:t>
             </a:r>
-            <a:endParaRPr lang="en-US"/>
+            <a:endParaRPr lang="en-CA"/>
           </a:p>
         </p:txBody>
       </p:sp>
@@ -2702,8 +2537,8 @@
         </p:nvSpPr>
         <p:spPr>
           <a:xfrm>
-            <a:off x="457200" y="4661323"/>
-            <a:ext cx="2133600" cy="267759"/>
+            <a:off x="838200" y="6356350"/>
+            <a:ext cx="2743200" cy="365125"/>
           </a:xfrm>
           <a:prstGeom prst="rect">
             <a:avLst/>
@@ -2723,11 +2558,11 @@
             </a:lvl1pPr>
           </a:lstStyle>
           <a:p>
-            <a:fld id="{5E78BC5E-CFC6-42C6-9AD4-2310523D0B3F}" type="datetimeFigureOut">
-              <a:rPr lang="en-US" smtClean="0"/>
-              <a:t>7/18/2016</a:t>
+            <a:fld id="{F9EABCE4-471C-4DEC-9C9F-A58F050A4848}" type="datetimeFigureOut">
+              <a:rPr lang="en-CA" smtClean="0"/>
+              <a:t>2016-08-19</a:t>
             </a:fld>
-            <a:endParaRPr lang="en-US"/>
+            <a:endParaRPr lang="en-CA"/>
           </a:p>
         </p:txBody>
       </p:sp>
@@ -2743,8 +2578,8 @@
         </p:nvSpPr>
         <p:spPr>
           <a:xfrm>
-            <a:off x="3124200" y="4661323"/>
-            <a:ext cx="2895600" cy="267759"/>
+            <a:off x="4038600" y="6356350"/>
+            <a:ext cx="4114800" cy="365125"/>
           </a:xfrm>
           <a:prstGeom prst="rect">
             <a:avLst/>
@@ -2764,7 +2599,7 @@
             </a:lvl1pPr>
           </a:lstStyle>
           <a:p>
-            <a:endParaRPr lang="en-US"/>
+            <a:endParaRPr lang="en-CA"/>
           </a:p>
         </p:txBody>
       </p:sp>
@@ -2780,8 +2615,8 @@
         </p:nvSpPr>
         <p:spPr>
           <a:xfrm>
-            <a:off x="6553200" y="4661323"/>
-            <a:ext cx="2133600" cy="267759"/>
+            <a:off x="8610600" y="6356350"/>
+            <a:ext cx="2743200" cy="365125"/>
           </a:xfrm>
           <a:prstGeom prst="rect">
             <a:avLst/>
@@ -2801,18 +2636,18 @@
             </a:lvl1pPr>
           </a:lstStyle>
           <a:p>
-            <a:fld id="{6B5B511D-EFFD-4386-BCF9-544EAD73D2C4}" type="slidenum">
-              <a:rPr lang="en-US" smtClean="0"/>
+            <a:fld id="{D9FA85C2-9666-4381-BDB5-C10F74A33BB3}" type="slidenum">
+              <a:rPr lang="en-CA" smtClean="0"/>
               <a:t>‹#›</a:t>
             </a:fld>
-            <a:endParaRPr lang="en-US"/>
+            <a:endParaRPr lang="en-CA"/>
           </a:p>
         </p:txBody>
       </p:sp>
     </p:spTree>
     <p:extLst>
       <p:ext uri="{BB962C8B-B14F-4D97-AF65-F5344CB8AC3E}">
-        <p14:creationId xmlns:p14="http://schemas.microsoft.com/office/powerpoint/2010/main" val="2717244527"/>
+        <p14:creationId xmlns:p14="http://schemas.microsoft.com/office/powerpoint/2010/main" val="2188600541"/>
       </p:ext>
     </p:extLst>
   </p:cSld>
@@ -2832,7 +2667,10 @@
   </p:sldLayoutIdLst>
   <p:txStyles>
     <p:titleStyle>
-      <a:lvl1pPr algn="ctr" defTabSz="914400" rtl="0" eaLnBrk="1" latinLnBrk="0" hangingPunct="1">
+      <a:lvl1pPr algn="l" defTabSz="914400" rtl="0" eaLnBrk="1" latinLnBrk="0" hangingPunct="1">
+        <a:lnSpc>
+          <a:spcPct val="90000"/>
+        </a:lnSpc>
         <a:spcBef>
           <a:spcPct val="0"/>
         </a:spcBef>
@@ -2848,13 +2686,16 @@
       </a:lvl1pPr>
     </p:titleStyle>
     <p:bodyStyle>
-      <a:lvl1pPr marL="342900" indent="-342900" algn="l" defTabSz="914400" rtl="0" eaLnBrk="1" latinLnBrk="0" hangingPunct="1">
+      <a:lvl1pPr marL="228600" indent="-228600" algn="l" defTabSz="914400" rtl="0" eaLnBrk="1" latinLnBrk="0" hangingPunct="1">
+        <a:lnSpc>
+          <a:spcPct val="90000"/>
+        </a:lnSpc>
         <a:spcBef>
-          <a:spcPct val="20000"/>
+          <a:spcPts val="1000"/>
         </a:spcBef>
-        <a:buFont typeface="Arial" pitchFamily="34" charset="0"/>
+        <a:buFont typeface="Arial" panose="020B0604020202020204" pitchFamily="34" charset="0"/>
         <a:buChar char="•"/>
-        <a:defRPr sz="3200" kern="1200">
+        <a:defRPr sz="2800" kern="1200">
           <a:solidFill>
             <a:schemeClr val="tx1"/>
           </a:solidFill>
@@ -2863,13 +2704,16 @@
           <a:cs typeface="+mn-cs"/>
         </a:defRPr>
       </a:lvl1pPr>
-      <a:lvl2pPr marL="742950" indent="-285750" algn="l" defTabSz="914400" rtl="0" eaLnBrk="1" latinLnBrk="0" hangingPunct="1">
+      <a:lvl2pPr marL="685800" indent="-228600" algn="l" defTabSz="914400" rtl="0" eaLnBrk="1" latinLnBrk="0" hangingPunct="1">
+        <a:lnSpc>
+          <a:spcPct val="90000"/>
+        </a:lnSpc>
         <a:spcBef>
-          <a:spcPct val="20000"/>
+          <a:spcPts val="500"/>
         </a:spcBef>
-        <a:buFont typeface="Arial" pitchFamily="34" charset="0"/>
-        <a:buChar char="–"/>
-        <a:defRPr sz="2800" kern="1200">
+        <a:buFont typeface="Arial" panose="020B0604020202020204" pitchFamily="34" charset="0"/>
+        <a:buChar char="•"/>
+        <a:defRPr sz="2400" kern="1200">
           <a:solidFill>
             <a:schemeClr val="tx1"/>
           </a:solidFill>
@@ -2879,12 +2723,15 @@
         </a:defRPr>
       </a:lvl2pPr>
       <a:lvl3pPr marL="1143000" indent="-228600" algn="l" defTabSz="914400" rtl="0" eaLnBrk="1" latinLnBrk="0" hangingPunct="1">
+        <a:lnSpc>
+          <a:spcPct val="90000"/>
+        </a:lnSpc>
         <a:spcBef>
-          <a:spcPct val="20000"/>
+          <a:spcPts val="500"/>
         </a:spcBef>
-        <a:buFont typeface="Arial" pitchFamily="34" charset="0"/>
+        <a:buFont typeface="Arial" panose="020B0604020202020204" pitchFamily="34" charset="0"/>
         <a:buChar char="•"/>
-        <a:defRPr sz="2400" kern="1200">
+        <a:defRPr sz="2000" kern="1200">
           <a:solidFill>
             <a:schemeClr val="tx1"/>
           </a:solidFill>
@@ -2894,12 +2741,15 @@
         </a:defRPr>
       </a:lvl3pPr>
       <a:lvl4pPr marL="1600200" indent="-228600" algn="l" defTabSz="914400" rtl="0" eaLnBrk="1" latinLnBrk="0" hangingPunct="1">
+        <a:lnSpc>
+          <a:spcPct val="90000"/>
+        </a:lnSpc>
         <a:spcBef>
-          <a:spcPct val="20000"/>
+          <a:spcPts val="500"/>
         </a:spcBef>
-        <a:buFont typeface="Arial" pitchFamily="34" charset="0"/>
-        <a:buChar char="–"/>
-        <a:defRPr sz="2000" kern="1200">
+        <a:buFont typeface="Arial" panose="020B0604020202020204" pitchFamily="34" charset="0"/>
+        <a:buChar char="•"/>
+        <a:defRPr sz="1800" kern="1200">
           <a:solidFill>
             <a:schemeClr val="tx1"/>
           </a:solidFill>
@@ -2909,12 +2759,15 @@
         </a:defRPr>
       </a:lvl4pPr>
       <a:lvl5pPr marL="2057400" indent="-228600" algn="l" defTabSz="914400" rtl="0" eaLnBrk="1" latinLnBrk="0" hangingPunct="1">
+        <a:lnSpc>
+          <a:spcPct val="90000"/>
+        </a:lnSpc>
         <a:spcBef>
-          <a:spcPct val="20000"/>
+          <a:spcPts val="500"/>
         </a:spcBef>
-        <a:buFont typeface="Arial" pitchFamily="34" charset="0"/>
-        <a:buChar char="»"/>
-        <a:defRPr sz="2000" kern="1200">
+        <a:buFont typeface="Arial" panose="020B0604020202020204" pitchFamily="34" charset="0"/>
+        <a:buChar char="•"/>
+        <a:defRPr sz="1800" kern="1200">
           <a:solidFill>
             <a:schemeClr val="tx1"/>
           </a:solidFill>
@@ -2924,12 +2777,15 @@
         </a:defRPr>
       </a:lvl5pPr>
       <a:lvl6pPr marL="2514600" indent="-228600" algn="l" defTabSz="914400" rtl="0" eaLnBrk="1" latinLnBrk="0" hangingPunct="1">
+        <a:lnSpc>
+          <a:spcPct val="90000"/>
+        </a:lnSpc>
         <a:spcBef>
-          <a:spcPct val="20000"/>
+          <a:spcPts val="500"/>
         </a:spcBef>
-        <a:buFont typeface="Arial" pitchFamily="34" charset="0"/>
+        <a:buFont typeface="Arial" panose="020B0604020202020204" pitchFamily="34" charset="0"/>
         <a:buChar char="•"/>
-        <a:defRPr sz="2000" kern="1200">
+        <a:defRPr sz="1800" kern="1200">
           <a:solidFill>
             <a:schemeClr val="tx1"/>
           </a:solidFill>
@@ -2939,12 +2795,15 @@
         </a:defRPr>
       </a:lvl6pPr>
       <a:lvl7pPr marL="2971800" indent="-228600" algn="l" defTabSz="914400" rtl="0" eaLnBrk="1" latinLnBrk="0" hangingPunct="1">
+        <a:lnSpc>
+          <a:spcPct val="90000"/>
+        </a:lnSpc>
         <a:spcBef>
-          <a:spcPct val="20000"/>
+          <a:spcPts val="500"/>
         </a:spcBef>
-        <a:buFont typeface="Arial" pitchFamily="34" charset="0"/>
+        <a:buFont typeface="Arial" panose="020B0604020202020204" pitchFamily="34" charset="0"/>
         <a:buChar char="•"/>
-        <a:defRPr sz="2000" kern="1200">
+        <a:defRPr sz="1800" kern="1200">
           <a:solidFill>
             <a:schemeClr val="tx1"/>
           </a:solidFill>
@@ -2954,12 +2813,15 @@
         </a:defRPr>
       </a:lvl7pPr>
       <a:lvl8pPr marL="3429000" indent="-228600" algn="l" defTabSz="914400" rtl="0" eaLnBrk="1" latinLnBrk="0" hangingPunct="1">
+        <a:lnSpc>
+          <a:spcPct val="90000"/>
+        </a:lnSpc>
         <a:spcBef>
-          <a:spcPct val="20000"/>
+          <a:spcPts val="500"/>
         </a:spcBef>
-        <a:buFont typeface="Arial" pitchFamily="34" charset="0"/>
+        <a:buFont typeface="Arial" panose="020B0604020202020204" pitchFamily="34" charset="0"/>
         <a:buChar char="•"/>
-        <a:defRPr sz="2000" kern="1200">
+        <a:defRPr sz="1800" kern="1200">
           <a:solidFill>
             <a:schemeClr val="tx1"/>
           </a:solidFill>
@@ -2969,12 +2831,15 @@
         </a:defRPr>
       </a:lvl8pPr>
       <a:lvl9pPr marL="3886200" indent="-228600" algn="l" defTabSz="914400" rtl="0" eaLnBrk="1" latinLnBrk="0" hangingPunct="1">
+        <a:lnSpc>
+          <a:spcPct val="90000"/>
+        </a:lnSpc>
         <a:spcBef>
-          <a:spcPct val="20000"/>
+          <a:spcPts val="500"/>
         </a:spcBef>
-        <a:buFont typeface="Arial" pitchFamily="34" charset="0"/>
+        <a:buFont typeface="Arial" panose="020B0604020202020204" pitchFamily="34" charset="0"/>
         <a:buChar char="•"/>
-        <a:defRPr sz="2000" kern="1200">
+        <a:defRPr sz="1800" kern="1200">
           <a:solidFill>
             <a:schemeClr val="tx1"/>
           </a:solidFill>
@@ -3100,90 +2965,23 @@
           <a:chExt cx="0" cy="0"/>
         </a:xfrm>
       </p:grpSpPr>
-      <p:pic>
-        <p:nvPicPr>
-          <p:cNvPr id="1026" name="Picture 2"/>
-          <p:cNvPicPr>
-            <a:picLocks noChangeAspect="1" noChangeArrowheads="1"/>
-          </p:cNvPicPr>
+      <p:sp>
+        <p:nvSpPr>
+          <p:cNvPr id="49" name="Down Arrow 48"/>
+          <p:cNvSpPr/>
           <p:nvPr/>
-        </p:nvPicPr>
-        <p:blipFill>
-          <a:blip r:embed="rId2">
-            <a:extLst>
-              <a:ext uri="{28A0092B-C50C-407E-A947-70E740481C1C}">
-                <a14:useLocalDpi xmlns:a14="http://schemas.microsoft.com/office/drawing/2010/main" val="0"/>
-              </a:ext>
-            </a:extLst>
-          </a:blip>
-          <a:srcRect/>
-          <a:stretch>
-            <a:fillRect/>
-          </a:stretch>
-        </p:blipFill>
-        <p:spPr bwMode="auto">
-          <a:xfrm>
-            <a:off x="31530" y="174145"/>
-            <a:ext cx="9075905" cy="4689515"/>
-          </a:xfrm>
-          <a:prstGeom prst="rect">
+        </p:nvSpPr>
+        <p:spPr>
+          <a:xfrm>
+            <a:off x="3962851" y="2754735"/>
+            <a:ext cx="315477" cy="1018555"/>
+          </a:xfrm>
+          <a:prstGeom prst="downArrow">
             <a:avLst/>
           </a:prstGeom>
-          <a:noFill/>
-          <a:ln>
-            <a:noFill/>
-          </a:ln>
-          <a:effectLst/>
-          <a:extLst>
-            <a:ext uri="{909E8E84-426E-40DD-AFC4-6F175D3DCCD1}">
-              <a14:hiddenFill xmlns:a14="http://schemas.microsoft.com/office/drawing/2010/main">
-                <a:solidFill>
-                  <a:schemeClr val="accent1"/>
-                </a:solidFill>
-              </a14:hiddenFill>
-            </a:ext>
-            <a:ext uri="{91240B29-F687-4F45-9708-019B960494DF}">
-              <a14:hiddenLine xmlns:a14="http://schemas.microsoft.com/office/drawing/2010/main" w="9525">
-                <a:solidFill>
-                  <a:schemeClr val="tx1"/>
-                </a:solidFill>
-                <a:miter lim="800000"/>
-                <a:headEnd/>
-                <a:tailEnd/>
-              </a14:hiddenLine>
-            </a:ext>
-            <a:ext uri="{AF507438-7753-43E0-B8FC-AC1667EBCBE1}">
-              <a14:hiddenEffects xmlns:a14="http://schemas.microsoft.com/office/drawing/2010/main">
-                <a:effectLst>
-                  <a:outerShdw dist="35921" dir="2700000" algn="ctr" rotWithShape="0">
-                    <a:schemeClr val="bg2"/>
-                  </a:outerShdw>
-                </a:effectLst>
-              </a14:hiddenEffects>
-            </a:ext>
-          </a:extLst>
-        </p:spPr>
-      </p:pic>
-      <p:sp>
-        <p:nvSpPr>
-          <p:cNvPr id="4" name="Rectangle 3"/>
-          <p:cNvSpPr/>
-          <p:nvPr/>
-        </p:nvSpPr>
-        <p:spPr>
-          <a:xfrm>
-            <a:off x="88812" y="174145"/>
-            <a:ext cx="5334000" cy="466985"/>
-          </a:xfrm>
-          <a:prstGeom prst="rect">
-            <a:avLst/>
-          </a:prstGeom>
-          <a:solidFill>
-            <a:schemeClr val="bg1"/>
-          </a:solidFill>
-          <a:ln>
-            <a:noFill/>
-          </a:ln>
+          <a:solidFill>
+            <a:srgbClr val="FFC000"/>
+          </a:solidFill>
         </p:spPr>
         <p:style>
           <a:lnRef idx="2">
@@ -3206,29 +3004,34 @@
           <a:lstStyle/>
           <a:p>
             <a:pPr algn="ctr"/>
-            <a:endParaRPr lang="en-US"/>
-          </a:p>
-        </p:txBody>
-      </p:sp>
-      <p:sp>
-        <p:nvSpPr>
-          <p:cNvPr id="6" name="Rectangle 5"/>
+            <a:endParaRPr lang="en-CA"/>
+          </a:p>
+        </p:txBody>
+      </p:sp>
+      <p:sp>
+        <p:nvSpPr>
+          <p:cNvPr id="4" name="Rectangle 3"/>
           <p:cNvSpPr/>
           <p:nvPr/>
         </p:nvSpPr>
         <p:spPr>
           <a:xfrm>
-            <a:off x="1155612" y="4381797"/>
-            <a:ext cx="5334000" cy="466985"/>
+            <a:off x="439" y="3776869"/>
+            <a:ext cx="635228" cy="437322"/>
           </a:xfrm>
           <a:prstGeom prst="rect">
             <a:avLst/>
           </a:prstGeom>
           <a:solidFill>
-            <a:schemeClr val="bg1"/>
-          </a:solidFill>
-          <a:ln>
-            <a:noFill/>
+            <a:srgbClr val="DDDDDD"/>
+          </a:solidFill>
+          <a:ln w="28575">
+            <a:solidFill>
+              <a:schemeClr val="accent6">
+                <a:lumMod val="60000"/>
+                <a:lumOff val="40000"/>
+              </a:schemeClr>
+            </a:solidFill>
           </a:ln>
         </p:spPr>
         <p:style>
@@ -3252,14 +3055,2480 @@
           <a:lstStyle/>
           <a:p>
             <a:pPr algn="ctr"/>
-            <a:endParaRPr lang="en-US"/>
+            <a:r>
+              <a:rPr lang="en-CA" sz="1600" dirty="0">
+                <a:solidFill>
+                  <a:schemeClr val="tx1"/>
+                </a:solidFill>
+              </a:rPr>
+              <a:t>1997</a:t>
+            </a:r>
+          </a:p>
+        </p:txBody>
+      </p:sp>
+      <p:sp>
+        <p:nvSpPr>
+          <p:cNvPr id="5" name="Rectangle 4"/>
+          <p:cNvSpPr/>
+          <p:nvPr/>
+        </p:nvSpPr>
+        <p:spPr>
+          <a:xfrm>
+            <a:off x="643171" y="3776869"/>
+            <a:ext cx="635228" cy="437322"/>
+          </a:xfrm>
+          <a:prstGeom prst="rect">
+            <a:avLst/>
+          </a:prstGeom>
+          <a:solidFill>
+            <a:srgbClr val="DDDDDD"/>
+          </a:solidFill>
+          <a:ln w="28575">
+            <a:solidFill>
+              <a:schemeClr val="accent6">
+                <a:lumMod val="60000"/>
+                <a:lumOff val="40000"/>
+              </a:schemeClr>
+            </a:solidFill>
+          </a:ln>
+        </p:spPr>
+        <p:style>
+          <a:lnRef idx="2">
+            <a:schemeClr val="accent1">
+              <a:shade val="50000"/>
+            </a:schemeClr>
+          </a:lnRef>
+          <a:fillRef idx="1">
+            <a:schemeClr val="accent1"/>
+          </a:fillRef>
+          <a:effectRef idx="0">
+            <a:schemeClr val="accent1"/>
+          </a:effectRef>
+          <a:fontRef idx="minor">
+            <a:schemeClr val="lt1"/>
+          </a:fontRef>
+        </p:style>
+        <p:txBody>
+          <a:bodyPr rtlCol="0" anchor="ctr"/>
+          <a:lstStyle/>
+          <a:p>
+            <a:pPr algn="ctr"/>
+            <a:r>
+              <a:rPr lang="en-CA" sz="1600" dirty="0">
+                <a:solidFill>
+                  <a:schemeClr val="tx1"/>
+                </a:solidFill>
+              </a:rPr>
+              <a:t>1998</a:t>
+            </a:r>
+          </a:p>
+        </p:txBody>
+      </p:sp>
+      <p:sp>
+        <p:nvSpPr>
+          <p:cNvPr id="6" name="Rectangle 5"/>
+          <p:cNvSpPr/>
+          <p:nvPr/>
+        </p:nvSpPr>
+        <p:spPr>
+          <a:xfrm>
+            <a:off x="1285903" y="3776869"/>
+            <a:ext cx="635228" cy="437322"/>
+          </a:xfrm>
+          <a:prstGeom prst="rect">
+            <a:avLst/>
+          </a:prstGeom>
+          <a:solidFill>
+            <a:srgbClr val="DDDDDD"/>
+          </a:solidFill>
+          <a:ln w="28575">
+            <a:solidFill>
+              <a:schemeClr val="accent6">
+                <a:lumMod val="60000"/>
+                <a:lumOff val="40000"/>
+              </a:schemeClr>
+            </a:solidFill>
+          </a:ln>
+        </p:spPr>
+        <p:style>
+          <a:lnRef idx="2">
+            <a:schemeClr val="accent1">
+              <a:shade val="50000"/>
+            </a:schemeClr>
+          </a:lnRef>
+          <a:fillRef idx="1">
+            <a:schemeClr val="accent1"/>
+          </a:fillRef>
+          <a:effectRef idx="0">
+            <a:schemeClr val="accent1"/>
+          </a:effectRef>
+          <a:fontRef idx="minor">
+            <a:schemeClr val="lt1"/>
+          </a:fontRef>
+        </p:style>
+        <p:txBody>
+          <a:bodyPr rtlCol="0" anchor="ctr"/>
+          <a:lstStyle/>
+          <a:p>
+            <a:pPr algn="ctr"/>
+            <a:r>
+              <a:rPr lang="en-CA" sz="1600" dirty="0">
+                <a:solidFill>
+                  <a:schemeClr val="tx1"/>
+                </a:solidFill>
+              </a:rPr>
+              <a:t>1999</a:t>
+            </a:r>
+          </a:p>
+        </p:txBody>
+      </p:sp>
+      <p:sp>
+        <p:nvSpPr>
+          <p:cNvPr id="7" name="Rectangle 6"/>
+          <p:cNvSpPr/>
+          <p:nvPr/>
+        </p:nvSpPr>
+        <p:spPr>
+          <a:xfrm>
+            <a:off x="1918994" y="3778525"/>
+            <a:ext cx="635228" cy="437322"/>
+          </a:xfrm>
+          <a:prstGeom prst="rect">
+            <a:avLst/>
+          </a:prstGeom>
+          <a:solidFill>
+            <a:srgbClr val="DDDDDD"/>
+          </a:solidFill>
+          <a:ln w="28575">
+            <a:solidFill>
+              <a:schemeClr val="accent6">
+                <a:lumMod val="60000"/>
+                <a:lumOff val="40000"/>
+              </a:schemeClr>
+            </a:solidFill>
+          </a:ln>
+        </p:spPr>
+        <p:style>
+          <a:lnRef idx="2">
+            <a:schemeClr val="accent1">
+              <a:shade val="50000"/>
+            </a:schemeClr>
+          </a:lnRef>
+          <a:fillRef idx="1">
+            <a:schemeClr val="accent1"/>
+          </a:fillRef>
+          <a:effectRef idx="0">
+            <a:schemeClr val="accent1"/>
+          </a:effectRef>
+          <a:fontRef idx="minor">
+            <a:schemeClr val="lt1"/>
+          </a:fontRef>
+        </p:style>
+        <p:txBody>
+          <a:bodyPr rtlCol="0" anchor="ctr"/>
+          <a:lstStyle/>
+          <a:p>
+            <a:pPr algn="ctr"/>
+            <a:r>
+              <a:rPr lang="en-CA" sz="1600" dirty="0">
+                <a:solidFill>
+                  <a:schemeClr val="tx1"/>
+                </a:solidFill>
+              </a:rPr>
+              <a:t>2000</a:t>
+            </a:r>
+          </a:p>
+        </p:txBody>
+      </p:sp>
+      <p:sp>
+        <p:nvSpPr>
+          <p:cNvPr id="8" name="Rectangle 7"/>
+          <p:cNvSpPr/>
+          <p:nvPr/>
+        </p:nvSpPr>
+        <p:spPr>
+          <a:xfrm>
+            <a:off x="2558114" y="3773556"/>
+            <a:ext cx="635228" cy="437322"/>
+          </a:xfrm>
+          <a:prstGeom prst="rect">
+            <a:avLst/>
+          </a:prstGeom>
+          <a:solidFill>
+            <a:srgbClr val="DDDDDD"/>
+          </a:solidFill>
+          <a:ln w="28575">
+            <a:solidFill>
+              <a:schemeClr val="accent6">
+                <a:lumMod val="60000"/>
+                <a:lumOff val="40000"/>
+              </a:schemeClr>
+            </a:solidFill>
+          </a:ln>
+        </p:spPr>
+        <p:style>
+          <a:lnRef idx="2">
+            <a:schemeClr val="accent1">
+              <a:shade val="50000"/>
+            </a:schemeClr>
+          </a:lnRef>
+          <a:fillRef idx="1">
+            <a:schemeClr val="accent1"/>
+          </a:fillRef>
+          <a:effectRef idx="0">
+            <a:schemeClr val="accent1"/>
+          </a:effectRef>
+          <a:fontRef idx="minor">
+            <a:schemeClr val="lt1"/>
+          </a:fontRef>
+        </p:style>
+        <p:txBody>
+          <a:bodyPr rtlCol="0" anchor="ctr"/>
+          <a:lstStyle/>
+          <a:p>
+            <a:pPr algn="ctr"/>
+            <a:r>
+              <a:rPr lang="en-CA" sz="1600" dirty="0">
+                <a:solidFill>
+                  <a:schemeClr val="tx1"/>
+                </a:solidFill>
+              </a:rPr>
+              <a:t>2001</a:t>
+            </a:r>
+          </a:p>
+        </p:txBody>
+      </p:sp>
+      <p:sp>
+        <p:nvSpPr>
+          <p:cNvPr id="9" name="Rectangle 8"/>
+          <p:cNvSpPr/>
+          <p:nvPr/>
+        </p:nvSpPr>
+        <p:spPr>
+          <a:xfrm>
+            <a:off x="3830324" y="3773556"/>
+            <a:ext cx="635228" cy="437322"/>
+          </a:xfrm>
+          <a:prstGeom prst="rect">
+            <a:avLst/>
+          </a:prstGeom>
+          <a:solidFill>
+            <a:srgbClr val="DDDDDD"/>
+          </a:solidFill>
+          <a:ln w="28575">
+            <a:solidFill>
+              <a:schemeClr val="accent6">
+                <a:lumMod val="60000"/>
+                <a:lumOff val="40000"/>
+              </a:schemeClr>
+            </a:solidFill>
+          </a:ln>
+        </p:spPr>
+        <p:style>
+          <a:lnRef idx="2">
+            <a:schemeClr val="accent1">
+              <a:shade val="50000"/>
+            </a:schemeClr>
+          </a:lnRef>
+          <a:fillRef idx="1">
+            <a:schemeClr val="accent1"/>
+          </a:fillRef>
+          <a:effectRef idx="0">
+            <a:schemeClr val="accent1"/>
+          </a:effectRef>
+          <a:fontRef idx="minor">
+            <a:schemeClr val="lt1"/>
+          </a:fontRef>
+        </p:style>
+        <p:txBody>
+          <a:bodyPr rtlCol="0" anchor="ctr"/>
+          <a:lstStyle/>
+          <a:p>
+            <a:pPr algn="ctr"/>
+            <a:r>
+              <a:rPr lang="en-CA" sz="1600" dirty="0">
+                <a:solidFill>
+                  <a:schemeClr val="tx1"/>
+                </a:solidFill>
+              </a:rPr>
+              <a:t>2003</a:t>
+            </a:r>
+          </a:p>
+        </p:txBody>
+      </p:sp>
+      <p:sp>
+        <p:nvSpPr>
+          <p:cNvPr id="10" name="Rectangle 9"/>
+          <p:cNvSpPr/>
+          <p:nvPr/>
+        </p:nvSpPr>
+        <p:spPr>
+          <a:xfrm>
+            <a:off x="3194218" y="3773556"/>
+            <a:ext cx="635228" cy="437322"/>
+          </a:xfrm>
+          <a:prstGeom prst="rect">
+            <a:avLst/>
+          </a:prstGeom>
+          <a:solidFill>
+            <a:srgbClr val="DDDDDD"/>
+          </a:solidFill>
+          <a:ln w="28575">
+            <a:solidFill>
+              <a:schemeClr val="accent6">
+                <a:lumMod val="60000"/>
+                <a:lumOff val="40000"/>
+              </a:schemeClr>
+            </a:solidFill>
+          </a:ln>
+        </p:spPr>
+        <p:style>
+          <a:lnRef idx="2">
+            <a:schemeClr val="accent1">
+              <a:shade val="50000"/>
+            </a:schemeClr>
+          </a:lnRef>
+          <a:fillRef idx="1">
+            <a:schemeClr val="accent1"/>
+          </a:fillRef>
+          <a:effectRef idx="0">
+            <a:schemeClr val="accent1"/>
+          </a:effectRef>
+          <a:fontRef idx="minor">
+            <a:schemeClr val="lt1"/>
+          </a:fontRef>
+        </p:style>
+        <p:txBody>
+          <a:bodyPr rtlCol="0" anchor="ctr"/>
+          <a:lstStyle/>
+          <a:p>
+            <a:pPr algn="ctr"/>
+            <a:r>
+              <a:rPr lang="en-CA" sz="1600" dirty="0">
+                <a:solidFill>
+                  <a:schemeClr val="tx1"/>
+                </a:solidFill>
+              </a:rPr>
+              <a:t>2002</a:t>
+            </a:r>
+          </a:p>
+        </p:txBody>
+      </p:sp>
+      <p:sp>
+        <p:nvSpPr>
+          <p:cNvPr id="11" name="Rectangle 10"/>
+          <p:cNvSpPr/>
+          <p:nvPr/>
+        </p:nvSpPr>
+        <p:spPr>
+          <a:xfrm>
+            <a:off x="4466430" y="3773556"/>
+            <a:ext cx="635228" cy="437322"/>
+          </a:xfrm>
+          <a:prstGeom prst="rect">
+            <a:avLst/>
+          </a:prstGeom>
+          <a:solidFill>
+            <a:srgbClr val="DDDDDD"/>
+          </a:solidFill>
+          <a:ln w="28575">
+            <a:solidFill>
+              <a:schemeClr val="accent6">
+                <a:lumMod val="60000"/>
+                <a:lumOff val="40000"/>
+              </a:schemeClr>
+            </a:solidFill>
+          </a:ln>
+        </p:spPr>
+        <p:style>
+          <a:lnRef idx="2">
+            <a:schemeClr val="accent1">
+              <a:shade val="50000"/>
+            </a:schemeClr>
+          </a:lnRef>
+          <a:fillRef idx="1">
+            <a:schemeClr val="accent1"/>
+          </a:fillRef>
+          <a:effectRef idx="0">
+            <a:schemeClr val="accent1"/>
+          </a:effectRef>
+          <a:fontRef idx="minor">
+            <a:schemeClr val="lt1"/>
+          </a:fontRef>
+        </p:style>
+        <p:txBody>
+          <a:bodyPr rtlCol="0" anchor="ctr"/>
+          <a:lstStyle/>
+          <a:p>
+            <a:pPr algn="ctr"/>
+            <a:r>
+              <a:rPr lang="en-CA" sz="1600" dirty="0">
+                <a:solidFill>
+                  <a:schemeClr val="tx1"/>
+                </a:solidFill>
+              </a:rPr>
+              <a:t>2004</a:t>
+            </a:r>
+          </a:p>
+        </p:txBody>
+      </p:sp>
+      <p:sp>
+        <p:nvSpPr>
+          <p:cNvPr id="12" name="Rectangle 11"/>
+          <p:cNvSpPr/>
+          <p:nvPr/>
+        </p:nvSpPr>
+        <p:spPr>
+          <a:xfrm>
+            <a:off x="5102536" y="3773556"/>
+            <a:ext cx="635228" cy="437322"/>
+          </a:xfrm>
+          <a:prstGeom prst="rect">
+            <a:avLst/>
+          </a:prstGeom>
+          <a:solidFill>
+            <a:srgbClr val="DDDDDD"/>
+          </a:solidFill>
+          <a:ln w="28575">
+            <a:solidFill>
+              <a:schemeClr val="accent6">
+                <a:lumMod val="60000"/>
+                <a:lumOff val="40000"/>
+              </a:schemeClr>
+            </a:solidFill>
+          </a:ln>
+        </p:spPr>
+        <p:style>
+          <a:lnRef idx="2">
+            <a:schemeClr val="accent1">
+              <a:shade val="50000"/>
+            </a:schemeClr>
+          </a:lnRef>
+          <a:fillRef idx="1">
+            <a:schemeClr val="accent1"/>
+          </a:fillRef>
+          <a:effectRef idx="0">
+            <a:schemeClr val="accent1"/>
+          </a:effectRef>
+          <a:fontRef idx="minor">
+            <a:schemeClr val="lt1"/>
+          </a:fontRef>
+        </p:style>
+        <p:txBody>
+          <a:bodyPr rtlCol="0" anchor="ctr"/>
+          <a:lstStyle/>
+          <a:p>
+            <a:pPr algn="ctr"/>
+            <a:r>
+              <a:rPr lang="en-CA" sz="1600" dirty="0">
+                <a:solidFill>
+                  <a:schemeClr val="tx1"/>
+                </a:solidFill>
+              </a:rPr>
+              <a:t>2005</a:t>
+            </a:r>
+          </a:p>
+        </p:txBody>
+      </p:sp>
+      <p:sp>
+        <p:nvSpPr>
+          <p:cNvPr id="13" name="Rectangle 12"/>
+          <p:cNvSpPr/>
+          <p:nvPr/>
+        </p:nvSpPr>
+        <p:spPr>
+          <a:xfrm>
+            <a:off x="5738642" y="3773556"/>
+            <a:ext cx="635228" cy="437322"/>
+          </a:xfrm>
+          <a:prstGeom prst="rect">
+            <a:avLst/>
+          </a:prstGeom>
+          <a:solidFill>
+            <a:srgbClr val="DDDDDD"/>
+          </a:solidFill>
+          <a:ln w="28575">
+            <a:solidFill>
+              <a:schemeClr val="accent6">
+                <a:lumMod val="60000"/>
+                <a:lumOff val="40000"/>
+              </a:schemeClr>
+            </a:solidFill>
+          </a:ln>
+        </p:spPr>
+        <p:style>
+          <a:lnRef idx="2">
+            <a:schemeClr val="accent1">
+              <a:shade val="50000"/>
+            </a:schemeClr>
+          </a:lnRef>
+          <a:fillRef idx="1">
+            <a:schemeClr val="accent1"/>
+          </a:fillRef>
+          <a:effectRef idx="0">
+            <a:schemeClr val="accent1"/>
+          </a:effectRef>
+          <a:fontRef idx="minor">
+            <a:schemeClr val="lt1"/>
+          </a:fontRef>
+        </p:style>
+        <p:txBody>
+          <a:bodyPr rtlCol="0" anchor="ctr"/>
+          <a:lstStyle/>
+          <a:p>
+            <a:pPr algn="ctr"/>
+            <a:r>
+              <a:rPr lang="en-CA" sz="1600" dirty="0">
+                <a:solidFill>
+                  <a:schemeClr val="tx1"/>
+                </a:solidFill>
+              </a:rPr>
+              <a:t>2006</a:t>
+            </a:r>
+          </a:p>
+        </p:txBody>
+      </p:sp>
+      <p:sp>
+        <p:nvSpPr>
+          <p:cNvPr id="14" name="Rectangle 13"/>
+          <p:cNvSpPr/>
+          <p:nvPr/>
+        </p:nvSpPr>
+        <p:spPr>
+          <a:xfrm>
+            <a:off x="6374748" y="3773556"/>
+            <a:ext cx="635228" cy="437322"/>
+          </a:xfrm>
+          <a:prstGeom prst="rect">
+            <a:avLst/>
+          </a:prstGeom>
+          <a:solidFill>
+            <a:srgbClr val="DDDDDD"/>
+          </a:solidFill>
+          <a:ln w="28575">
+            <a:solidFill>
+              <a:schemeClr val="accent6">
+                <a:lumMod val="60000"/>
+                <a:lumOff val="40000"/>
+              </a:schemeClr>
+            </a:solidFill>
+          </a:ln>
+        </p:spPr>
+        <p:style>
+          <a:lnRef idx="2">
+            <a:schemeClr val="accent1">
+              <a:shade val="50000"/>
+            </a:schemeClr>
+          </a:lnRef>
+          <a:fillRef idx="1">
+            <a:schemeClr val="accent1"/>
+          </a:fillRef>
+          <a:effectRef idx="0">
+            <a:schemeClr val="accent1"/>
+          </a:effectRef>
+          <a:fontRef idx="minor">
+            <a:schemeClr val="lt1"/>
+          </a:fontRef>
+        </p:style>
+        <p:txBody>
+          <a:bodyPr rtlCol="0" anchor="ctr"/>
+          <a:lstStyle/>
+          <a:p>
+            <a:pPr algn="ctr"/>
+            <a:r>
+              <a:rPr lang="en-CA" sz="1600" dirty="0">
+                <a:solidFill>
+                  <a:schemeClr val="tx1"/>
+                </a:solidFill>
+              </a:rPr>
+              <a:t>2007</a:t>
+            </a:r>
+          </a:p>
+        </p:txBody>
+      </p:sp>
+      <p:sp>
+        <p:nvSpPr>
+          <p:cNvPr id="15" name="Rectangle 14"/>
+          <p:cNvSpPr/>
+          <p:nvPr/>
+        </p:nvSpPr>
+        <p:spPr>
+          <a:xfrm>
+            <a:off x="7017479" y="3773556"/>
+            <a:ext cx="635228" cy="437322"/>
+          </a:xfrm>
+          <a:prstGeom prst="rect">
+            <a:avLst/>
+          </a:prstGeom>
+          <a:solidFill>
+            <a:srgbClr val="DDDDDD"/>
+          </a:solidFill>
+          <a:ln w="28575">
+            <a:solidFill>
+              <a:schemeClr val="accent6">
+                <a:lumMod val="60000"/>
+                <a:lumOff val="40000"/>
+              </a:schemeClr>
+            </a:solidFill>
+          </a:ln>
+        </p:spPr>
+        <p:style>
+          <a:lnRef idx="2">
+            <a:schemeClr val="accent1">
+              <a:shade val="50000"/>
+            </a:schemeClr>
+          </a:lnRef>
+          <a:fillRef idx="1">
+            <a:schemeClr val="accent1"/>
+          </a:fillRef>
+          <a:effectRef idx="0">
+            <a:schemeClr val="accent1"/>
+          </a:effectRef>
+          <a:fontRef idx="minor">
+            <a:schemeClr val="lt1"/>
+          </a:fontRef>
+        </p:style>
+        <p:txBody>
+          <a:bodyPr rtlCol="0" anchor="ctr"/>
+          <a:lstStyle/>
+          <a:p>
+            <a:pPr algn="ctr"/>
+            <a:r>
+              <a:rPr lang="en-CA" sz="1600" dirty="0">
+                <a:solidFill>
+                  <a:schemeClr val="tx1"/>
+                </a:solidFill>
+              </a:rPr>
+              <a:t>2008</a:t>
+            </a:r>
+          </a:p>
+        </p:txBody>
+      </p:sp>
+      <p:sp>
+        <p:nvSpPr>
+          <p:cNvPr id="17" name="Rectangle 16"/>
+          <p:cNvSpPr/>
+          <p:nvPr/>
+        </p:nvSpPr>
+        <p:spPr>
+          <a:xfrm>
+            <a:off x="10825358" y="3780182"/>
+            <a:ext cx="635228" cy="437322"/>
+          </a:xfrm>
+          <a:prstGeom prst="rect">
+            <a:avLst/>
+          </a:prstGeom>
+          <a:solidFill>
+            <a:srgbClr val="DDDDDD"/>
+          </a:solidFill>
+          <a:ln w="28575">
+            <a:solidFill>
+              <a:schemeClr val="accent6">
+                <a:lumMod val="60000"/>
+                <a:lumOff val="40000"/>
+              </a:schemeClr>
+            </a:solidFill>
+          </a:ln>
+        </p:spPr>
+        <p:style>
+          <a:lnRef idx="2">
+            <a:schemeClr val="accent1">
+              <a:shade val="50000"/>
+            </a:schemeClr>
+          </a:lnRef>
+          <a:fillRef idx="1">
+            <a:schemeClr val="accent1"/>
+          </a:fillRef>
+          <a:effectRef idx="0">
+            <a:schemeClr val="accent1"/>
+          </a:effectRef>
+          <a:fontRef idx="minor">
+            <a:schemeClr val="lt1"/>
+          </a:fontRef>
+        </p:style>
+        <p:txBody>
+          <a:bodyPr rtlCol="0" anchor="ctr"/>
+          <a:lstStyle/>
+          <a:p>
+            <a:pPr algn="ctr"/>
+            <a:r>
+              <a:rPr lang="en-CA" sz="1600" dirty="0">
+                <a:solidFill>
+                  <a:schemeClr val="tx1"/>
+                </a:solidFill>
+              </a:rPr>
+              <a:t>2014</a:t>
+            </a:r>
+          </a:p>
+        </p:txBody>
+      </p:sp>
+      <p:sp>
+        <p:nvSpPr>
+          <p:cNvPr id="18" name="Rectangle 17"/>
+          <p:cNvSpPr/>
+          <p:nvPr/>
+        </p:nvSpPr>
+        <p:spPr>
+          <a:xfrm>
+            <a:off x="10195875" y="3780182"/>
+            <a:ext cx="635228" cy="437322"/>
+          </a:xfrm>
+          <a:prstGeom prst="rect">
+            <a:avLst/>
+          </a:prstGeom>
+          <a:solidFill>
+            <a:srgbClr val="DDDDDD"/>
+          </a:solidFill>
+          <a:ln w="28575">
+            <a:solidFill>
+              <a:schemeClr val="accent6">
+                <a:lumMod val="60000"/>
+                <a:lumOff val="40000"/>
+              </a:schemeClr>
+            </a:solidFill>
+          </a:ln>
+        </p:spPr>
+        <p:style>
+          <a:lnRef idx="2">
+            <a:schemeClr val="accent1">
+              <a:shade val="50000"/>
+            </a:schemeClr>
+          </a:lnRef>
+          <a:fillRef idx="1">
+            <a:schemeClr val="accent1"/>
+          </a:fillRef>
+          <a:effectRef idx="0">
+            <a:schemeClr val="accent1"/>
+          </a:effectRef>
+          <a:fontRef idx="minor">
+            <a:schemeClr val="lt1"/>
+          </a:fontRef>
+        </p:style>
+        <p:txBody>
+          <a:bodyPr rtlCol="0" anchor="ctr"/>
+          <a:lstStyle/>
+          <a:p>
+            <a:pPr algn="ctr"/>
+            <a:r>
+              <a:rPr lang="en-CA" sz="1600" dirty="0">
+                <a:solidFill>
+                  <a:schemeClr val="tx1"/>
+                </a:solidFill>
+              </a:rPr>
+              <a:t>2013</a:t>
+            </a:r>
+          </a:p>
+        </p:txBody>
+      </p:sp>
+      <p:sp>
+        <p:nvSpPr>
+          <p:cNvPr id="19" name="Rectangle 18"/>
+          <p:cNvSpPr/>
+          <p:nvPr/>
+        </p:nvSpPr>
+        <p:spPr>
+          <a:xfrm>
+            <a:off x="9558893" y="3780182"/>
+            <a:ext cx="635228" cy="437322"/>
+          </a:xfrm>
+          <a:prstGeom prst="rect">
+            <a:avLst/>
+          </a:prstGeom>
+          <a:solidFill>
+            <a:srgbClr val="DDDDDD"/>
+          </a:solidFill>
+          <a:ln w="28575">
+            <a:solidFill>
+              <a:schemeClr val="accent6">
+                <a:lumMod val="60000"/>
+                <a:lumOff val="40000"/>
+              </a:schemeClr>
+            </a:solidFill>
+          </a:ln>
+        </p:spPr>
+        <p:style>
+          <a:lnRef idx="2">
+            <a:schemeClr val="accent1">
+              <a:shade val="50000"/>
+            </a:schemeClr>
+          </a:lnRef>
+          <a:fillRef idx="1">
+            <a:schemeClr val="accent1"/>
+          </a:fillRef>
+          <a:effectRef idx="0">
+            <a:schemeClr val="accent1"/>
+          </a:effectRef>
+          <a:fontRef idx="minor">
+            <a:schemeClr val="lt1"/>
+          </a:fontRef>
+        </p:style>
+        <p:txBody>
+          <a:bodyPr rtlCol="0" anchor="ctr"/>
+          <a:lstStyle/>
+          <a:p>
+            <a:pPr algn="ctr"/>
+            <a:r>
+              <a:rPr lang="en-CA" sz="1600" dirty="0">
+                <a:solidFill>
+                  <a:schemeClr val="tx1"/>
+                </a:solidFill>
+              </a:rPr>
+              <a:t>2012</a:t>
+            </a:r>
+          </a:p>
+        </p:txBody>
+      </p:sp>
+      <p:sp>
+        <p:nvSpPr>
+          <p:cNvPr id="20" name="Rectangle 19"/>
+          <p:cNvSpPr/>
+          <p:nvPr/>
+        </p:nvSpPr>
+        <p:spPr>
+          <a:xfrm>
+            <a:off x="8919172" y="3773556"/>
+            <a:ext cx="635228" cy="437322"/>
+          </a:xfrm>
+          <a:prstGeom prst="rect">
+            <a:avLst/>
+          </a:prstGeom>
+          <a:solidFill>
+            <a:srgbClr val="DDDDDD"/>
+          </a:solidFill>
+          <a:ln w="28575">
+            <a:solidFill>
+              <a:schemeClr val="accent6">
+                <a:lumMod val="60000"/>
+                <a:lumOff val="40000"/>
+              </a:schemeClr>
+            </a:solidFill>
+          </a:ln>
+        </p:spPr>
+        <p:style>
+          <a:lnRef idx="2">
+            <a:schemeClr val="accent1">
+              <a:shade val="50000"/>
+            </a:schemeClr>
+          </a:lnRef>
+          <a:fillRef idx="1">
+            <a:schemeClr val="accent1"/>
+          </a:fillRef>
+          <a:effectRef idx="0">
+            <a:schemeClr val="accent1"/>
+          </a:effectRef>
+          <a:fontRef idx="minor">
+            <a:schemeClr val="lt1"/>
+          </a:fontRef>
+        </p:style>
+        <p:txBody>
+          <a:bodyPr rtlCol="0" anchor="ctr"/>
+          <a:lstStyle/>
+          <a:p>
+            <a:pPr algn="ctr"/>
+            <a:r>
+              <a:rPr lang="en-CA" sz="1600" dirty="0">
+                <a:solidFill>
+                  <a:schemeClr val="tx1"/>
+                </a:solidFill>
+              </a:rPr>
+              <a:t>2011</a:t>
+            </a:r>
+          </a:p>
+        </p:txBody>
+      </p:sp>
+      <p:sp>
+        <p:nvSpPr>
+          <p:cNvPr id="21" name="Rectangle 20"/>
+          <p:cNvSpPr/>
+          <p:nvPr/>
+        </p:nvSpPr>
+        <p:spPr>
+          <a:xfrm>
+            <a:off x="8289691" y="3773556"/>
+            <a:ext cx="635228" cy="437322"/>
+          </a:xfrm>
+          <a:prstGeom prst="rect">
+            <a:avLst/>
+          </a:prstGeom>
+          <a:solidFill>
+            <a:srgbClr val="DDDDDD"/>
+          </a:solidFill>
+          <a:ln w="28575">
+            <a:solidFill>
+              <a:schemeClr val="accent6">
+                <a:lumMod val="60000"/>
+                <a:lumOff val="40000"/>
+              </a:schemeClr>
+            </a:solidFill>
+          </a:ln>
+        </p:spPr>
+        <p:style>
+          <a:lnRef idx="2">
+            <a:schemeClr val="accent1">
+              <a:shade val="50000"/>
+            </a:schemeClr>
+          </a:lnRef>
+          <a:fillRef idx="1">
+            <a:schemeClr val="accent1"/>
+          </a:fillRef>
+          <a:effectRef idx="0">
+            <a:schemeClr val="accent1"/>
+          </a:effectRef>
+          <a:fontRef idx="minor">
+            <a:schemeClr val="lt1"/>
+          </a:fontRef>
+        </p:style>
+        <p:txBody>
+          <a:bodyPr rtlCol="0" anchor="ctr"/>
+          <a:lstStyle/>
+          <a:p>
+            <a:pPr algn="ctr"/>
+            <a:r>
+              <a:rPr lang="en-CA" sz="1600" dirty="0">
+                <a:solidFill>
+                  <a:schemeClr val="tx1"/>
+                </a:solidFill>
+              </a:rPr>
+              <a:t>2010</a:t>
+            </a:r>
+          </a:p>
+        </p:txBody>
+      </p:sp>
+      <p:sp>
+        <p:nvSpPr>
+          <p:cNvPr id="22" name="Rectangle 21"/>
+          <p:cNvSpPr/>
+          <p:nvPr/>
+        </p:nvSpPr>
+        <p:spPr>
+          <a:xfrm>
+            <a:off x="7646960" y="3773556"/>
+            <a:ext cx="635228" cy="437322"/>
+          </a:xfrm>
+          <a:prstGeom prst="rect">
+            <a:avLst/>
+          </a:prstGeom>
+          <a:solidFill>
+            <a:srgbClr val="DDDDDD"/>
+          </a:solidFill>
+          <a:ln w="28575">
+            <a:solidFill>
+              <a:schemeClr val="accent6">
+                <a:lumMod val="60000"/>
+                <a:lumOff val="40000"/>
+              </a:schemeClr>
+            </a:solidFill>
+          </a:ln>
+        </p:spPr>
+        <p:style>
+          <a:lnRef idx="2">
+            <a:schemeClr val="accent1">
+              <a:shade val="50000"/>
+            </a:schemeClr>
+          </a:lnRef>
+          <a:fillRef idx="1">
+            <a:schemeClr val="accent1"/>
+          </a:fillRef>
+          <a:effectRef idx="0">
+            <a:schemeClr val="accent1"/>
+          </a:effectRef>
+          <a:fontRef idx="minor">
+            <a:schemeClr val="lt1"/>
+          </a:fontRef>
+        </p:style>
+        <p:txBody>
+          <a:bodyPr rtlCol="0" anchor="ctr"/>
+          <a:lstStyle/>
+          <a:p>
+            <a:pPr algn="ctr"/>
+            <a:r>
+              <a:rPr lang="en-CA" sz="1600" dirty="0">
+                <a:solidFill>
+                  <a:schemeClr val="tx1"/>
+                </a:solidFill>
+              </a:rPr>
+              <a:t>2009</a:t>
+            </a:r>
+          </a:p>
+        </p:txBody>
+      </p:sp>
+      <p:sp>
+        <p:nvSpPr>
+          <p:cNvPr id="23" name="Pentagon 22"/>
+          <p:cNvSpPr/>
+          <p:nvPr/>
+        </p:nvSpPr>
+        <p:spPr>
+          <a:xfrm>
+            <a:off x="11434084" y="3780182"/>
+            <a:ext cx="784422" cy="437322"/>
+          </a:xfrm>
+          <a:prstGeom prst="homePlate">
+            <a:avLst/>
+          </a:prstGeom>
+          <a:solidFill>
+            <a:srgbClr val="DDDDDD"/>
+          </a:solidFill>
+          <a:ln w="28575">
+            <a:solidFill>
+              <a:schemeClr val="accent6">
+                <a:lumMod val="60000"/>
+                <a:lumOff val="40000"/>
+              </a:schemeClr>
+            </a:solidFill>
+          </a:ln>
+        </p:spPr>
+        <p:style>
+          <a:lnRef idx="2">
+            <a:schemeClr val="accent1">
+              <a:shade val="50000"/>
+            </a:schemeClr>
+          </a:lnRef>
+          <a:fillRef idx="1">
+            <a:schemeClr val="accent1"/>
+          </a:fillRef>
+          <a:effectRef idx="0">
+            <a:schemeClr val="accent1"/>
+          </a:effectRef>
+          <a:fontRef idx="minor">
+            <a:schemeClr val="lt1"/>
+          </a:fontRef>
+        </p:style>
+        <p:txBody>
+          <a:bodyPr rtlCol="0" anchor="ctr"/>
+          <a:lstStyle/>
+          <a:p>
+            <a:pPr algn="ctr"/>
+            <a:r>
+              <a:rPr lang="en-CA" sz="1600" dirty="0">
+                <a:solidFill>
+                  <a:schemeClr val="tx1"/>
+                </a:solidFill>
+              </a:rPr>
+              <a:t>2015</a:t>
+            </a:r>
+          </a:p>
+        </p:txBody>
+      </p:sp>
+      <p:sp>
+        <p:nvSpPr>
+          <p:cNvPr id="28" name="Down Arrow 27"/>
+          <p:cNvSpPr/>
+          <p:nvPr/>
+        </p:nvSpPr>
+        <p:spPr>
+          <a:xfrm>
+            <a:off x="1417770" y="1958596"/>
+            <a:ext cx="315477" cy="1804433"/>
+          </a:xfrm>
+          <a:prstGeom prst="downArrow">
+            <a:avLst/>
+          </a:prstGeom>
+          <a:solidFill>
+            <a:srgbClr val="FFC000"/>
+          </a:solidFill>
+        </p:spPr>
+        <p:style>
+          <a:lnRef idx="2">
+            <a:schemeClr val="accent1">
+              <a:shade val="50000"/>
+            </a:schemeClr>
+          </a:lnRef>
+          <a:fillRef idx="1">
+            <a:schemeClr val="accent1"/>
+          </a:fillRef>
+          <a:effectRef idx="0">
+            <a:schemeClr val="accent1"/>
+          </a:effectRef>
+          <a:fontRef idx="minor">
+            <a:schemeClr val="lt1"/>
+          </a:fontRef>
+        </p:style>
+        <p:txBody>
+          <a:bodyPr rtlCol="0" anchor="ctr"/>
+          <a:lstStyle/>
+          <a:p>
+            <a:pPr algn="ctr"/>
+            <a:endParaRPr lang="en-CA"/>
+          </a:p>
+        </p:txBody>
+      </p:sp>
+      <p:sp>
+        <p:nvSpPr>
+          <p:cNvPr id="30" name="Down Arrow 29"/>
+          <p:cNvSpPr/>
+          <p:nvPr/>
+        </p:nvSpPr>
+        <p:spPr>
+          <a:xfrm>
+            <a:off x="7833810" y="2107539"/>
+            <a:ext cx="315477" cy="1640394"/>
+          </a:xfrm>
+          <a:prstGeom prst="downArrow">
+            <a:avLst/>
+          </a:prstGeom>
+          <a:solidFill>
+            <a:srgbClr val="FFC000"/>
+          </a:solidFill>
+        </p:spPr>
+        <p:style>
+          <a:lnRef idx="2">
+            <a:schemeClr val="accent1">
+              <a:shade val="50000"/>
+            </a:schemeClr>
+          </a:lnRef>
+          <a:fillRef idx="1">
+            <a:schemeClr val="accent1"/>
+          </a:fillRef>
+          <a:effectRef idx="0">
+            <a:schemeClr val="accent1"/>
+          </a:effectRef>
+          <a:fontRef idx="minor">
+            <a:schemeClr val="lt1"/>
+          </a:fontRef>
+        </p:style>
+        <p:txBody>
+          <a:bodyPr rtlCol="0" anchor="ctr"/>
+          <a:lstStyle/>
+          <a:p>
+            <a:pPr algn="ctr"/>
+            <a:endParaRPr lang="en-CA"/>
+          </a:p>
+        </p:txBody>
+      </p:sp>
+      <p:sp>
+        <p:nvSpPr>
+          <p:cNvPr id="31" name="Down Arrow 30"/>
+          <p:cNvSpPr/>
+          <p:nvPr/>
+        </p:nvSpPr>
+        <p:spPr>
+          <a:xfrm rot="10800000">
+            <a:off x="7711890" y="4231883"/>
+            <a:ext cx="315477" cy="1491267"/>
+          </a:xfrm>
+          <a:prstGeom prst="downArrow">
+            <a:avLst/>
+          </a:prstGeom>
+          <a:solidFill>
+            <a:srgbClr val="FFC000"/>
+          </a:solidFill>
+        </p:spPr>
+        <p:style>
+          <a:lnRef idx="2">
+            <a:schemeClr val="accent1">
+              <a:shade val="50000"/>
+            </a:schemeClr>
+          </a:lnRef>
+          <a:fillRef idx="1">
+            <a:schemeClr val="accent1"/>
+          </a:fillRef>
+          <a:effectRef idx="0">
+            <a:schemeClr val="accent1"/>
+          </a:effectRef>
+          <a:fontRef idx="minor">
+            <a:schemeClr val="lt1"/>
+          </a:fontRef>
+        </p:style>
+        <p:txBody>
+          <a:bodyPr rtlCol="0" anchor="ctr"/>
+          <a:lstStyle/>
+          <a:p>
+            <a:pPr algn="ctr"/>
+            <a:endParaRPr lang="en-CA"/>
+          </a:p>
+        </p:txBody>
+      </p:sp>
+      <p:sp>
+        <p:nvSpPr>
+          <p:cNvPr id="32" name="Down Arrow 31"/>
+          <p:cNvSpPr/>
+          <p:nvPr/>
+        </p:nvSpPr>
+        <p:spPr>
+          <a:xfrm>
+            <a:off x="9853110" y="1088641"/>
+            <a:ext cx="315477" cy="2641870"/>
+          </a:xfrm>
+          <a:prstGeom prst="downArrow">
+            <a:avLst/>
+          </a:prstGeom>
+          <a:solidFill>
+            <a:srgbClr val="FFC000"/>
+          </a:solidFill>
+        </p:spPr>
+        <p:style>
+          <a:lnRef idx="2">
+            <a:schemeClr val="accent1">
+              <a:shade val="50000"/>
+            </a:schemeClr>
+          </a:lnRef>
+          <a:fillRef idx="1">
+            <a:schemeClr val="accent1"/>
+          </a:fillRef>
+          <a:effectRef idx="0">
+            <a:schemeClr val="accent1"/>
+          </a:effectRef>
+          <a:fontRef idx="minor">
+            <a:schemeClr val="lt1"/>
+          </a:fontRef>
+        </p:style>
+        <p:txBody>
+          <a:bodyPr rtlCol="0" anchor="ctr"/>
+          <a:lstStyle/>
+          <a:p>
+            <a:pPr algn="ctr"/>
+            <a:endParaRPr lang="en-CA"/>
+          </a:p>
+        </p:txBody>
+      </p:sp>
+      <p:sp>
+        <p:nvSpPr>
+          <p:cNvPr id="33" name="Down Arrow 32"/>
+          <p:cNvSpPr/>
+          <p:nvPr/>
+        </p:nvSpPr>
+        <p:spPr>
+          <a:xfrm>
+            <a:off x="10942770" y="2107539"/>
+            <a:ext cx="315477" cy="1640394"/>
+          </a:xfrm>
+          <a:prstGeom prst="downArrow">
+            <a:avLst/>
+          </a:prstGeom>
+          <a:solidFill>
+            <a:srgbClr val="FFC000"/>
+          </a:solidFill>
+        </p:spPr>
+        <p:style>
+          <a:lnRef idx="2">
+            <a:schemeClr val="accent1">
+              <a:shade val="50000"/>
+            </a:schemeClr>
+          </a:lnRef>
+          <a:fillRef idx="1">
+            <a:schemeClr val="accent1"/>
+          </a:fillRef>
+          <a:effectRef idx="0">
+            <a:schemeClr val="accent1"/>
+          </a:effectRef>
+          <a:fontRef idx="minor">
+            <a:schemeClr val="lt1"/>
+          </a:fontRef>
+        </p:style>
+        <p:txBody>
+          <a:bodyPr rtlCol="0" anchor="ctr"/>
+          <a:lstStyle/>
+          <a:p>
+            <a:pPr algn="ctr"/>
+            <a:endParaRPr lang="en-CA"/>
+          </a:p>
+        </p:txBody>
+      </p:sp>
+      <p:sp>
+        <p:nvSpPr>
+          <p:cNvPr id="35" name="Down Arrow 34"/>
+          <p:cNvSpPr/>
+          <p:nvPr/>
+        </p:nvSpPr>
+        <p:spPr>
+          <a:xfrm rot="10800000">
+            <a:off x="6584130" y="4246328"/>
+            <a:ext cx="315477" cy="1355697"/>
+          </a:xfrm>
+          <a:prstGeom prst="downArrow">
+            <a:avLst/>
+          </a:prstGeom>
+          <a:solidFill>
+            <a:srgbClr val="FFC000"/>
+          </a:solidFill>
+        </p:spPr>
+        <p:style>
+          <a:lnRef idx="2">
+            <a:schemeClr val="accent1">
+              <a:shade val="50000"/>
+            </a:schemeClr>
+          </a:lnRef>
+          <a:fillRef idx="1">
+            <a:schemeClr val="accent1"/>
+          </a:fillRef>
+          <a:effectRef idx="0">
+            <a:schemeClr val="accent1"/>
+          </a:effectRef>
+          <a:fontRef idx="minor">
+            <a:schemeClr val="lt1"/>
+          </a:fontRef>
+        </p:style>
+        <p:txBody>
+          <a:bodyPr rtlCol="0" anchor="ctr"/>
+          <a:lstStyle/>
+          <a:p>
+            <a:pPr algn="ctr"/>
+            <a:endParaRPr lang="en-CA"/>
+          </a:p>
+        </p:txBody>
+      </p:sp>
+      <p:sp>
+        <p:nvSpPr>
+          <p:cNvPr id="36" name="Down Arrow 35"/>
+          <p:cNvSpPr/>
+          <p:nvPr/>
+        </p:nvSpPr>
+        <p:spPr>
+          <a:xfrm rot="10800000">
+            <a:off x="10264590" y="4201301"/>
+            <a:ext cx="315477" cy="1120411"/>
+          </a:xfrm>
+          <a:prstGeom prst="downArrow">
+            <a:avLst/>
+          </a:prstGeom>
+          <a:solidFill>
+            <a:srgbClr val="FFC000"/>
+          </a:solidFill>
+        </p:spPr>
+        <p:style>
+          <a:lnRef idx="2">
+            <a:schemeClr val="accent1">
+              <a:shade val="50000"/>
+            </a:schemeClr>
+          </a:lnRef>
+          <a:fillRef idx="1">
+            <a:schemeClr val="accent1"/>
+          </a:fillRef>
+          <a:effectRef idx="0">
+            <a:schemeClr val="accent1"/>
+          </a:effectRef>
+          <a:fontRef idx="minor">
+            <a:schemeClr val="lt1"/>
+          </a:fontRef>
+        </p:style>
+        <p:txBody>
+          <a:bodyPr rtlCol="0" anchor="ctr"/>
+          <a:lstStyle/>
+          <a:p>
+            <a:pPr algn="ctr"/>
+            <a:endParaRPr lang="en-CA"/>
+          </a:p>
+        </p:txBody>
+      </p:sp>
+      <p:sp>
+        <p:nvSpPr>
+          <p:cNvPr id="37" name="Down Arrow 36"/>
+          <p:cNvSpPr/>
+          <p:nvPr/>
+        </p:nvSpPr>
+        <p:spPr>
+          <a:xfrm>
+            <a:off x="152850" y="2761359"/>
+            <a:ext cx="315477" cy="1018555"/>
+          </a:xfrm>
+          <a:prstGeom prst="downArrow">
+            <a:avLst/>
+          </a:prstGeom>
+          <a:solidFill>
+            <a:srgbClr val="FFC000"/>
+          </a:solidFill>
+        </p:spPr>
+        <p:style>
+          <a:lnRef idx="2">
+            <a:schemeClr val="accent1">
+              <a:shade val="50000"/>
+            </a:schemeClr>
+          </a:lnRef>
+          <a:fillRef idx="1">
+            <a:schemeClr val="accent1"/>
+          </a:fillRef>
+          <a:effectRef idx="0">
+            <a:schemeClr val="accent1"/>
+          </a:effectRef>
+          <a:fontRef idx="minor">
+            <a:schemeClr val="lt1"/>
+          </a:fontRef>
+        </p:style>
+        <p:txBody>
+          <a:bodyPr rtlCol="0" anchor="ctr"/>
+          <a:lstStyle/>
+          <a:p>
+            <a:pPr algn="ctr"/>
+            <a:endParaRPr lang="en-CA"/>
+          </a:p>
+        </p:txBody>
+      </p:sp>
+      <p:sp>
+        <p:nvSpPr>
+          <p:cNvPr id="39" name="Down Arrow 38"/>
+          <p:cNvSpPr/>
+          <p:nvPr/>
+        </p:nvSpPr>
+        <p:spPr>
+          <a:xfrm rot="10800000">
+            <a:off x="11100470" y="4226251"/>
+            <a:ext cx="315477" cy="1491267"/>
+          </a:xfrm>
+          <a:prstGeom prst="downArrow">
+            <a:avLst/>
+          </a:prstGeom>
+          <a:solidFill>
+            <a:srgbClr val="FFC000"/>
+          </a:solidFill>
+        </p:spPr>
+        <p:style>
+          <a:lnRef idx="2">
+            <a:schemeClr val="accent1">
+              <a:shade val="50000"/>
+            </a:schemeClr>
+          </a:lnRef>
+          <a:fillRef idx="1">
+            <a:schemeClr val="accent1"/>
+          </a:fillRef>
+          <a:effectRef idx="0">
+            <a:schemeClr val="accent1"/>
+          </a:effectRef>
+          <a:fontRef idx="minor">
+            <a:schemeClr val="lt1"/>
+          </a:fontRef>
+        </p:style>
+        <p:txBody>
+          <a:bodyPr rtlCol="0" anchor="ctr"/>
+          <a:lstStyle/>
+          <a:p>
+            <a:pPr algn="ctr"/>
+            <a:endParaRPr lang="en-CA"/>
+          </a:p>
+        </p:txBody>
+      </p:sp>
+      <p:sp>
+        <p:nvSpPr>
+          <p:cNvPr id="40" name="Down Arrow 39"/>
+          <p:cNvSpPr/>
+          <p:nvPr/>
+        </p:nvSpPr>
+        <p:spPr>
+          <a:xfrm rot="10800000">
+            <a:off x="11552370" y="4243640"/>
+            <a:ext cx="315477" cy="2183364"/>
+          </a:xfrm>
+          <a:prstGeom prst="downArrow">
+            <a:avLst/>
+          </a:prstGeom>
+          <a:solidFill>
+            <a:srgbClr val="FFC000"/>
+          </a:solidFill>
+        </p:spPr>
+        <p:style>
+          <a:lnRef idx="2">
+            <a:schemeClr val="accent1">
+              <a:shade val="50000"/>
+            </a:schemeClr>
+          </a:lnRef>
+          <a:fillRef idx="1">
+            <a:schemeClr val="accent1"/>
+          </a:fillRef>
+          <a:effectRef idx="0">
+            <a:schemeClr val="accent1"/>
+          </a:effectRef>
+          <a:fontRef idx="minor">
+            <a:schemeClr val="lt1"/>
+          </a:fontRef>
+        </p:style>
+        <p:txBody>
+          <a:bodyPr rtlCol="0" anchor="ctr"/>
+          <a:lstStyle/>
+          <a:p>
+            <a:pPr algn="ctr"/>
+            <a:endParaRPr lang="en-CA"/>
+          </a:p>
+        </p:txBody>
+      </p:sp>
+      <p:sp>
+        <p:nvSpPr>
+          <p:cNvPr id="25" name="Rounded Rectangle 24"/>
+          <p:cNvSpPr/>
+          <p:nvPr/>
+        </p:nvSpPr>
+        <p:spPr>
+          <a:xfrm>
+            <a:off x="960785" y="1543049"/>
+            <a:ext cx="10682124" cy="622853"/>
+          </a:xfrm>
+          <a:prstGeom prst="roundRect">
+            <a:avLst/>
+          </a:prstGeom>
+          <a:solidFill>
+            <a:schemeClr val="accent1">
+              <a:lumMod val="40000"/>
+              <a:lumOff val="60000"/>
+            </a:schemeClr>
+          </a:solidFill>
+          <a:ln w="28575">
+            <a:solidFill>
+              <a:schemeClr val="accent1">
+                <a:lumMod val="50000"/>
+              </a:schemeClr>
+            </a:solidFill>
+          </a:ln>
+        </p:spPr>
+        <p:style>
+          <a:lnRef idx="2">
+            <a:schemeClr val="accent1">
+              <a:shade val="50000"/>
+            </a:schemeClr>
+          </a:lnRef>
+          <a:fillRef idx="1">
+            <a:schemeClr val="accent1"/>
+          </a:fillRef>
+          <a:effectRef idx="0">
+            <a:schemeClr val="accent1"/>
+          </a:effectRef>
+          <a:fontRef idx="minor">
+            <a:schemeClr val="lt1"/>
+          </a:fontRef>
+        </p:style>
+        <p:txBody>
+          <a:bodyPr rtlCol="0" anchor="ctr"/>
+          <a:lstStyle/>
+          <a:p>
+            <a:pPr algn="ctr"/>
+            <a:endParaRPr lang="en-CA" dirty="0"/>
+          </a:p>
+        </p:txBody>
+      </p:sp>
+      <p:sp>
+        <p:nvSpPr>
+          <p:cNvPr id="24" name="Rounded Rectangle 23"/>
+          <p:cNvSpPr/>
+          <p:nvPr/>
+        </p:nvSpPr>
+        <p:spPr>
+          <a:xfrm>
+            <a:off x="13253" y="2703443"/>
+            <a:ext cx="9747967" cy="622853"/>
+          </a:xfrm>
+          <a:prstGeom prst="roundRect">
+            <a:avLst/>
+          </a:prstGeom>
+          <a:solidFill>
+            <a:schemeClr val="accent4">
+              <a:lumMod val="60000"/>
+              <a:lumOff val="40000"/>
+            </a:schemeClr>
+          </a:solidFill>
+          <a:ln w="28575">
+            <a:solidFill>
+              <a:schemeClr val="accent4">
+                <a:lumMod val="50000"/>
+              </a:schemeClr>
+            </a:solidFill>
+          </a:ln>
+        </p:spPr>
+        <p:style>
+          <a:lnRef idx="2">
+            <a:schemeClr val="accent1">
+              <a:shade val="50000"/>
+            </a:schemeClr>
+          </a:lnRef>
+          <a:fillRef idx="1">
+            <a:schemeClr val="accent1"/>
+          </a:fillRef>
+          <a:effectRef idx="0">
+            <a:schemeClr val="accent1"/>
+          </a:effectRef>
+          <a:fontRef idx="minor">
+            <a:schemeClr val="lt1"/>
+          </a:fontRef>
+        </p:style>
+        <p:txBody>
+          <a:bodyPr rtlCol="0" anchor="ctr"/>
+          <a:lstStyle/>
+          <a:p>
+            <a:pPr algn="ctr"/>
+            <a:endParaRPr lang="en-CA" dirty="0"/>
+          </a:p>
+        </p:txBody>
+      </p:sp>
+      <p:sp>
+        <p:nvSpPr>
+          <p:cNvPr id="26" name="Rounded Rectangle 25"/>
+          <p:cNvSpPr/>
+          <p:nvPr/>
+        </p:nvSpPr>
+        <p:spPr>
+          <a:xfrm>
+            <a:off x="9422296" y="466310"/>
+            <a:ext cx="2542536" cy="622853"/>
+          </a:xfrm>
+          <a:prstGeom prst="roundRect">
+            <a:avLst/>
+          </a:prstGeom>
+          <a:solidFill>
+            <a:schemeClr val="accent6">
+              <a:lumMod val="40000"/>
+              <a:lumOff val="60000"/>
+            </a:schemeClr>
+          </a:solidFill>
+          <a:ln w="28575">
+            <a:solidFill>
+              <a:schemeClr val="accent6">
+                <a:lumMod val="75000"/>
+              </a:schemeClr>
+            </a:solidFill>
+          </a:ln>
+        </p:spPr>
+        <p:style>
+          <a:lnRef idx="2">
+            <a:schemeClr val="accent1">
+              <a:shade val="50000"/>
+            </a:schemeClr>
+          </a:lnRef>
+          <a:fillRef idx="1">
+            <a:schemeClr val="accent1"/>
+          </a:fillRef>
+          <a:effectRef idx="0">
+            <a:schemeClr val="accent1"/>
+          </a:effectRef>
+          <a:fontRef idx="minor">
+            <a:schemeClr val="lt1"/>
+          </a:fontRef>
+        </p:style>
+        <p:txBody>
+          <a:bodyPr rtlCol="0" anchor="ctr"/>
+          <a:lstStyle/>
+          <a:p>
+            <a:pPr algn="ctr"/>
+            <a:endParaRPr lang="en-CA" b="1" dirty="0"/>
+          </a:p>
+        </p:txBody>
+      </p:sp>
+      <p:sp>
+        <p:nvSpPr>
+          <p:cNvPr id="41" name="TextBox 40"/>
+          <p:cNvSpPr txBox="1"/>
+          <p:nvPr/>
+        </p:nvSpPr>
+        <p:spPr>
+          <a:xfrm>
+            <a:off x="439" y="2703443"/>
+            <a:ext cx="827471" cy="615553"/>
+          </a:xfrm>
+          <a:prstGeom prst="rect">
+            <a:avLst/>
+          </a:prstGeom>
+          <a:noFill/>
+        </p:spPr>
+        <p:txBody>
+          <a:bodyPr wrap="none" rtlCol="0">
+            <a:spAutoFit/>
+          </a:bodyPr>
+          <a:lstStyle/>
+          <a:p>
+            <a:r>
+              <a:rPr lang="en-CA" dirty="0"/>
+              <a:t>802.11</a:t>
+            </a:r>
+          </a:p>
+          <a:p>
+            <a:pPr algn="ctr"/>
+            <a:r>
+              <a:rPr lang="en-CA" sz="1600" dirty="0"/>
+              <a:t>2Mbps</a:t>
+            </a:r>
+          </a:p>
+        </p:txBody>
+      </p:sp>
+      <p:sp>
+        <p:nvSpPr>
+          <p:cNvPr id="43" name="TextBox 42"/>
+          <p:cNvSpPr txBox="1"/>
+          <p:nvPr/>
+        </p:nvSpPr>
+        <p:spPr>
+          <a:xfrm>
+            <a:off x="1108845" y="2710743"/>
+            <a:ext cx="949299" cy="615553"/>
+          </a:xfrm>
+          <a:prstGeom prst="rect">
+            <a:avLst/>
+          </a:prstGeom>
+          <a:noFill/>
+        </p:spPr>
+        <p:txBody>
+          <a:bodyPr wrap="none" rtlCol="0">
+            <a:spAutoFit/>
+          </a:bodyPr>
+          <a:lstStyle/>
+          <a:p>
+            <a:r>
+              <a:rPr lang="en-CA" dirty="0"/>
+              <a:t>802.11b</a:t>
+            </a:r>
+          </a:p>
+          <a:p>
+            <a:pPr algn="ctr"/>
+            <a:r>
+              <a:rPr lang="en-CA" sz="1600" dirty="0"/>
+              <a:t>11Mbps</a:t>
+            </a:r>
+          </a:p>
+        </p:txBody>
+      </p:sp>
+      <p:sp>
+        <p:nvSpPr>
+          <p:cNvPr id="44" name="TextBox 43"/>
+          <p:cNvSpPr txBox="1"/>
+          <p:nvPr/>
+        </p:nvSpPr>
+        <p:spPr>
+          <a:xfrm>
+            <a:off x="7485048" y="2703443"/>
+            <a:ext cx="1022524" cy="615553"/>
+          </a:xfrm>
+          <a:prstGeom prst="rect">
+            <a:avLst/>
+          </a:prstGeom>
+          <a:noFill/>
+        </p:spPr>
+        <p:txBody>
+          <a:bodyPr wrap="none" rtlCol="0">
+            <a:spAutoFit/>
+          </a:bodyPr>
+          <a:lstStyle/>
+          <a:p>
+            <a:r>
+              <a:rPr lang="en-CA" dirty="0"/>
+              <a:t>802.11n</a:t>
+            </a:r>
+          </a:p>
+          <a:p>
+            <a:pPr algn="ctr"/>
+            <a:r>
+              <a:rPr lang="en-CA" sz="1600" dirty="0"/>
+              <a:t>300Mbps</a:t>
+            </a:r>
+          </a:p>
+        </p:txBody>
+      </p:sp>
+      <p:sp>
+        <p:nvSpPr>
+          <p:cNvPr id="45" name="TextBox 44"/>
+          <p:cNvSpPr txBox="1"/>
+          <p:nvPr/>
+        </p:nvSpPr>
+        <p:spPr>
+          <a:xfrm>
+            <a:off x="1110343" y="1529306"/>
+            <a:ext cx="938077" cy="615553"/>
+          </a:xfrm>
+          <a:prstGeom prst="rect">
+            <a:avLst/>
+          </a:prstGeom>
+          <a:noFill/>
+        </p:spPr>
+        <p:txBody>
+          <a:bodyPr wrap="none" rtlCol="0">
+            <a:spAutoFit/>
+          </a:bodyPr>
+          <a:lstStyle/>
+          <a:p>
+            <a:r>
+              <a:rPr lang="en-CA" dirty="0"/>
+              <a:t>802.11a</a:t>
+            </a:r>
+          </a:p>
+          <a:p>
+            <a:pPr algn="ctr"/>
+            <a:r>
+              <a:rPr lang="en-CA" sz="1600" dirty="0"/>
+              <a:t>54Mbps</a:t>
+            </a:r>
+          </a:p>
+        </p:txBody>
+      </p:sp>
+      <p:sp>
+        <p:nvSpPr>
+          <p:cNvPr id="46" name="TextBox 45"/>
+          <p:cNvSpPr txBox="1"/>
+          <p:nvPr/>
+        </p:nvSpPr>
+        <p:spPr>
+          <a:xfrm>
+            <a:off x="7528209" y="1517426"/>
+            <a:ext cx="965905" cy="615553"/>
+          </a:xfrm>
+          <a:prstGeom prst="rect">
+            <a:avLst/>
+          </a:prstGeom>
+          <a:noFill/>
+        </p:spPr>
+        <p:txBody>
+          <a:bodyPr wrap="none" rtlCol="0">
+            <a:spAutoFit/>
+          </a:bodyPr>
+          <a:lstStyle/>
+          <a:p>
+            <a:r>
+              <a:rPr lang="en-CA" dirty="0"/>
+              <a:t>802.11n</a:t>
+            </a:r>
+          </a:p>
+          <a:p>
+            <a:pPr algn="ctr"/>
+            <a:r>
+              <a:rPr lang="en-CA" sz="1600" dirty="0"/>
+              <a:t>600Mbps</a:t>
+            </a:r>
+          </a:p>
+        </p:txBody>
+      </p:sp>
+      <p:sp>
+        <p:nvSpPr>
+          <p:cNvPr id="47" name="TextBox 46"/>
+          <p:cNvSpPr txBox="1"/>
+          <p:nvPr/>
+        </p:nvSpPr>
+        <p:spPr>
+          <a:xfrm>
+            <a:off x="9477257" y="462418"/>
+            <a:ext cx="1094146" cy="615553"/>
+          </a:xfrm>
+          <a:prstGeom prst="rect">
+            <a:avLst/>
+          </a:prstGeom>
+          <a:noFill/>
+        </p:spPr>
+        <p:txBody>
+          <a:bodyPr wrap="none" rtlCol="0">
+            <a:spAutoFit/>
+          </a:bodyPr>
+          <a:lstStyle/>
+          <a:p>
+            <a:r>
+              <a:rPr lang="en-CA" dirty="0"/>
+              <a:t>802.11ad</a:t>
+            </a:r>
+          </a:p>
+          <a:p>
+            <a:pPr algn="ctr"/>
+            <a:r>
+              <a:rPr lang="en-CA" sz="1600" dirty="0"/>
+              <a:t>&gt;5Gbps</a:t>
+            </a:r>
+          </a:p>
+        </p:txBody>
+      </p:sp>
+      <p:sp>
+        <p:nvSpPr>
+          <p:cNvPr id="48" name="TextBox 47"/>
+          <p:cNvSpPr txBox="1"/>
+          <p:nvPr/>
+        </p:nvSpPr>
+        <p:spPr>
+          <a:xfrm>
+            <a:off x="3647547" y="2710379"/>
+            <a:ext cx="965906" cy="615553"/>
+          </a:xfrm>
+          <a:prstGeom prst="rect">
+            <a:avLst/>
+          </a:prstGeom>
+          <a:noFill/>
+        </p:spPr>
+        <p:txBody>
+          <a:bodyPr wrap="none" rtlCol="0">
+            <a:spAutoFit/>
+          </a:bodyPr>
+          <a:lstStyle/>
+          <a:p>
+            <a:r>
+              <a:rPr lang="en-CA" dirty="0"/>
+              <a:t>802.11g</a:t>
+            </a:r>
+          </a:p>
+          <a:p>
+            <a:pPr algn="ctr"/>
+            <a:r>
+              <a:rPr lang="en-CA" sz="1600" dirty="0"/>
+              <a:t>54Mbps</a:t>
+            </a:r>
+          </a:p>
+        </p:txBody>
+      </p:sp>
+      <p:sp>
+        <p:nvSpPr>
+          <p:cNvPr id="50" name="TextBox 49"/>
+          <p:cNvSpPr txBox="1"/>
+          <p:nvPr/>
+        </p:nvSpPr>
+        <p:spPr>
+          <a:xfrm>
+            <a:off x="10607048" y="1550349"/>
+            <a:ext cx="1035861" cy="615553"/>
+          </a:xfrm>
+          <a:prstGeom prst="rect">
+            <a:avLst/>
+          </a:prstGeom>
+          <a:noFill/>
+        </p:spPr>
+        <p:txBody>
+          <a:bodyPr wrap="none" rtlCol="0">
+            <a:spAutoFit/>
+          </a:bodyPr>
+          <a:lstStyle/>
+          <a:p>
+            <a:r>
+              <a:rPr lang="en-CA" dirty="0"/>
+              <a:t>802.11ac</a:t>
+            </a:r>
+          </a:p>
+          <a:p>
+            <a:pPr algn="ctr"/>
+            <a:r>
+              <a:rPr lang="en-CA" sz="1600" dirty="0"/>
+              <a:t>&gt;1Gbps</a:t>
+            </a:r>
+          </a:p>
+        </p:txBody>
+      </p:sp>
+      <p:sp>
+        <p:nvSpPr>
+          <p:cNvPr id="51" name="TextBox 50"/>
+          <p:cNvSpPr txBox="1"/>
+          <p:nvPr/>
+        </p:nvSpPr>
+        <p:spPr>
+          <a:xfrm>
+            <a:off x="2310107" y="2802347"/>
+            <a:ext cx="1157689" cy="461665"/>
+          </a:xfrm>
+          <a:prstGeom prst="rect">
+            <a:avLst/>
+          </a:prstGeom>
+          <a:noFill/>
+        </p:spPr>
+        <p:txBody>
+          <a:bodyPr wrap="none" rtlCol="0">
+            <a:spAutoFit/>
+          </a:bodyPr>
+          <a:lstStyle/>
+          <a:p>
+            <a:r>
+              <a:rPr lang="en-CA" sz="2400" b="1" dirty="0"/>
+              <a:t>2.4 GHz</a:t>
+            </a:r>
+          </a:p>
+        </p:txBody>
+      </p:sp>
+      <p:sp>
+        <p:nvSpPr>
+          <p:cNvPr id="52" name="TextBox 51"/>
+          <p:cNvSpPr txBox="1"/>
+          <p:nvPr/>
+        </p:nvSpPr>
+        <p:spPr>
+          <a:xfrm>
+            <a:off x="5220938" y="1594369"/>
+            <a:ext cx="920445" cy="461665"/>
+          </a:xfrm>
+          <a:prstGeom prst="rect">
+            <a:avLst/>
+          </a:prstGeom>
+          <a:noFill/>
+        </p:spPr>
+        <p:txBody>
+          <a:bodyPr wrap="none" rtlCol="0">
+            <a:spAutoFit/>
+          </a:bodyPr>
+          <a:lstStyle/>
+          <a:p>
+            <a:r>
+              <a:rPr lang="en-CA" sz="2400" b="1" dirty="0"/>
+              <a:t>5 GHz</a:t>
+            </a:r>
+          </a:p>
+        </p:txBody>
+      </p:sp>
+      <p:sp>
+        <p:nvSpPr>
+          <p:cNvPr id="53" name="TextBox 52"/>
+          <p:cNvSpPr txBox="1"/>
+          <p:nvPr/>
+        </p:nvSpPr>
+        <p:spPr>
+          <a:xfrm>
+            <a:off x="10927770" y="546903"/>
+            <a:ext cx="1075936" cy="461665"/>
+          </a:xfrm>
+          <a:prstGeom prst="rect">
+            <a:avLst/>
+          </a:prstGeom>
+          <a:noFill/>
+        </p:spPr>
+        <p:txBody>
+          <a:bodyPr wrap="none" rtlCol="0">
+            <a:spAutoFit/>
+          </a:bodyPr>
+          <a:lstStyle/>
+          <a:p>
+            <a:r>
+              <a:rPr lang="en-CA" sz="2400" b="1" dirty="0"/>
+              <a:t>60 GHz</a:t>
+            </a:r>
+          </a:p>
+        </p:txBody>
+      </p:sp>
+      <p:sp>
+        <p:nvSpPr>
+          <p:cNvPr id="54" name="Oval 53"/>
+          <p:cNvSpPr/>
+          <p:nvPr/>
+        </p:nvSpPr>
+        <p:spPr>
+          <a:xfrm>
+            <a:off x="6029707" y="4759189"/>
+            <a:ext cx="1413537" cy="878287"/>
+          </a:xfrm>
+          <a:prstGeom prst="ellipse">
+            <a:avLst/>
+          </a:prstGeom>
+          <a:solidFill>
+            <a:srgbClr val="FFFF66"/>
+          </a:solidFill>
+          <a:ln>
+            <a:solidFill>
+              <a:schemeClr val="accent4">
+                <a:lumMod val="75000"/>
+              </a:schemeClr>
+            </a:solidFill>
+          </a:ln>
+        </p:spPr>
+        <p:style>
+          <a:lnRef idx="2">
+            <a:schemeClr val="accent1">
+              <a:shade val="50000"/>
+            </a:schemeClr>
+          </a:lnRef>
+          <a:fillRef idx="1">
+            <a:schemeClr val="accent1"/>
+          </a:fillRef>
+          <a:effectRef idx="0">
+            <a:schemeClr val="accent1"/>
+          </a:effectRef>
+          <a:fontRef idx="minor">
+            <a:schemeClr val="lt1"/>
+          </a:fontRef>
+        </p:style>
+        <p:txBody>
+          <a:bodyPr rtlCol="0" anchor="ctr"/>
+          <a:lstStyle/>
+          <a:p>
+            <a:pPr algn="ctr"/>
+            <a:r>
+              <a:rPr lang="en-CA" dirty="0">
+                <a:solidFill>
+                  <a:schemeClr val="tx1"/>
+                </a:solidFill>
+              </a:rPr>
+              <a:t>802.11n </a:t>
+            </a:r>
+          </a:p>
+          <a:p>
+            <a:pPr algn="ctr"/>
+            <a:r>
+              <a:rPr lang="en-CA" dirty="0">
+                <a:solidFill>
+                  <a:schemeClr val="tx1"/>
+                </a:solidFill>
+              </a:rPr>
+              <a:t>2x2</a:t>
+            </a:r>
+          </a:p>
+        </p:txBody>
+      </p:sp>
+      <p:sp>
+        <p:nvSpPr>
+          <p:cNvPr id="55" name="Oval 54"/>
+          <p:cNvSpPr/>
+          <p:nvPr/>
+        </p:nvSpPr>
+        <p:spPr>
+          <a:xfrm>
+            <a:off x="7222627" y="5307500"/>
+            <a:ext cx="1413537" cy="878287"/>
+          </a:xfrm>
+          <a:prstGeom prst="ellipse">
+            <a:avLst/>
+          </a:prstGeom>
+          <a:solidFill>
+            <a:srgbClr val="FFFF66"/>
+          </a:solidFill>
+          <a:ln>
+            <a:solidFill>
+              <a:schemeClr val="accent4">
+                <a:lumMod val="75000"/>
+              </a:schemeClr>
+            </a:solidFill>
+          </a:ln>
+        </p:spPr>
+        <p:style>
+          <a:lnRef idx="2">
+            <a:schemeClr val="accent1">
+              <a:shade val="50000"/>
+            </a:schemeClr>
+          </a:lnRef>
+          <a:fillRef idx="1">
+            <a:schemeClr val="accent1"/>
+          </a:fillRef>
+          <a:effectRef idx="0">
+            <a:schemeClr val="accent1"/>
+          </a:effectRef>
+          <a:fontRef idx="minor">
+            <a:schemeClr val="lt1"/>
+          </a:fontRef>
+        </p:style>
+        <p:txBody>
+          <a:bodyPr rtlCol="0" anchor="ctr"/>
+          <a:lstStyle/>
+          <a:p>
+            <a:pPr algn="ctr"/>
+            <a:r>
+              <a:rPr lang="en-CA" dirty="0">
+                <a:solidFill>
+                  <a:schemeClr val="tx1"/>
+                </a:solidFill>
+              </a:rPr>
+              <a:t>802.11n </a:t>
+            </a:r>
+          </a:p>
+          <a:p>
+            <a:pPr algn="ctr"/>
+            <a:r>
+              <a:rPr lang="en-CA" dirty="0">
+                <a:solidFill>
+                  <a:schemeClr val="tx1"/>
+                </a:solidFill>
+              </a:rPr>
+              <a:t>3x3</a:t>
+            </a:r>
+          </a:p>
+        </p:txBody>
+      </p:sp>
+      <p:sp>
+        <p:nvSpPr>
+          <p:cNvPr id="56" name="Oval 55"/>
+          <p:cNvSpPr/>
+          <p:nvPr/>
+        </p:nvSpPr>
+        <p:spPr>
+          <a:xfrm>
+            <a:off x="9680323" y="4532741"/>
+            <a:ext cx="1451503" cy="878287"/>
+          </a:xfrm>
+          <a:prstGeom prst="ellipse">
+            <a:avLst/>
+          </a:prstGeom>
+          <a:solidFill>
+            <a:srgbClr val="FFFF66"/>
+          </a:solidFill>
+          <a:ln>
+            <a:solidFill>
+              <a:schemeClr val="accent4">
+                <a:lumMod val="75000"/>
+              </a:schemeClr>
+            </a:solidFill>
+          </a:ln>
+        </p:spPr>
+        <p:style>
+          <a:lnRef idx="2">
+            <a:schemeClr val="accent1">
+              <a:shade val="50000"/>
+            </a:schemeClr>
+          </a:lnRef>
+          <a:fillRef idx="1">
+            <a:schemeClr val="accent1"/>
+          </a:fillRef>
+          <a:effectRef idx="0">
+            <a:schemeClr val="accent1"/>
+          </a:effectRef>
+          <a:fontRef idx="minor">
+            <a:schemeClr val="lt1"/>
+          </a:fontRef>
+        </p:style>
+        <p:txBody>
+          <a:bodyPr rtlCol="0" anchor="ctr"/>
+          <a:lstStyle/>
+          <a:p>
+            <a:pPr algn="ctr"/>
+            <a:r>
+              <a:rPr lang="en-CA" dirty="0">
+                <a:solidFill>
+                  <a:schemeClr val="tx1"/>
+                </a:solidFill>
+              </a:rPr>
+              <a:t>802.11ac </a:t>
+            </a:r>
+          </a:p>
+          <a:p>
+            <a:pPr algn="ctr"/>
+            <a:r>
+              <a:rPr lang="en-CA" dirty="0">
+                <a:solidFill>
+                  <a:schemeClr val="tx1"/>
+                </a:solidFill>
+              </a:rPr>
+              <a:t>3x3</a:t>
+            </a:r>
+          </a:p>
+        </p:txBody>
+      </p:sp>
+      <p:sp>
+        <p:nvSpPr>
+          <p:cNvPr id="57" name="Oval 56"/>
+          <p:cNvSpPr/>
+          <p:nvPr/>
+        </p:nvSpPr>
+        <p:spPr>
+          <a:xfrm>
+            <a:off x="10122520" y="5464476"/>
+            <a:ext cx="1451503" cy="878287"/>
+          </a:xfrm>
+          <a:prstGeom prst="ellipse">
+            <a:avLst/>
+          </a:prstGeom>
+          <a:solidFill>
+            <a:srgbClr val="FFFF66"/>
+          </a:solidFill>
+          <a:ln>
+            <a:solidFill>
+              <a:schemeClr val="accent4">
+                <a:lumMod val="75000"/>
+              </a:schemeClr>
+            </a:solidFill>
+          </a:ln>
+        </p:spPr>
+        <p:style>
+          <a:lnRef idx="2">
+            <a:schemeClr val="accent1">
+              <a:shade val="50000"/>
+            </a:schemeClr>
+          </a:lnRef>
+          <a:fillRef idx="1">
+            <a:schemeClr val="accent1"/>
+          </a:fillRef>
+          <a:effectRef idx="0">
+            <a:schemeClr val="accent1"/>
+          </a:effectRef>
+          <a:fontRef idx="minor">
+            <a:schemeClr val="lt1"/>
+          </a:fontRef>
+        </p:style>
+        <p:txBody>
+          <a:bodyPr rtlCol="0" anchor="ctr"/>
+          <a:lstStyle/>
+          <a:p>
+            <a:pPr algn="ctr"/>
+            <a:r>
+              <a:rPr lang="en-CA" dirty="0">
+                <a:solidFill>
+                  <a:schemeClr val="tx1"/>
+                </a:solidFill>
+              </a:rPr>
+              <a:t>802.11ac </a:t>
+            </a:r>
+          </a:p>
+          <a:p>
+            <a:pPr algn="ctr"/>
+            <a:r>
+              <a:rPr lang="en-CA" dirty="0">
+                <a:solidFill>
+                  <a:schemeClr val="tx1"/>
+                </a:solidFill>
+              </a:rPr>
+              <a:t>2x2</a:t>
+            </a:r>
+          </a:p>
+        </p:txBody>
+      </p:sp>
+      <p:sp>
+        <p:nvSpPr>
+          <p:cNvPr id="58" name="Oval 57"/>
+          <p:cNvSpPr/>
+          <p:nvPr/>
+        </p:nvSpPr>
+        <p:spPr>
+          <a:xfrm>
+            <a:off x="10984356" y="6294350"/>
+            <a:ext cx="1451503" cy="878287"/>
+          </a:xfrm>
+          <a:prstGeom prst="ellipse">
+            <a:avLst/>
+          </a:prstGeom>
+          <a:solidFill>
+            <a:srgbClr val="FFFF66"/>
+          </a:solidFill>
+          <a:ln>
+            <a:solidFill>
+              <a:schemeClr val="accent4">
+                <a:lumMod val="75000"/>
+              </a:schemeClr>
+            </a:solidFill>
+          </a:ln>
+        </p:spPr>
+        <p:style>
+          <a:lnRef idx="2">
+            <a:schemeClr val="accent1">
+              <a:shade val="50000"/>
+            </a:schemeClr>
+          </a:lnRef>
+          <a:fillRef idx="1">
+            <a:schemeClr val="accent1"/>
+          </a:fillRef>
+          <a:effectRef idx="0">
+            <a:schemeClr val="accent1"/>
+          </a:effectRef>
+          <a:fontRef idx="minor">
+            <a:schemeClr val="lt1"/>
+          </a:fontRef>
+        </p:style>
+        <p:txBody>
+          <a:bodyPr rtlCol="0" anchor="ctr"/>
+          <a:lstStyle/>
+          <a:p>
+            <a:pPr algn="ctr"/>
+            <a:r>
+              <a:rPr lang="en-CA" dirty="0">
+                <a:solidFill>
+                  <a:schemeClr val="tx1"/>
+                </a:solidFill>
+              </a:rPr>
+              <a:t>802.11ac </a:t>
+            </a:r>
+          </a:p>
+          <a:p>
+            <a:pPr algn="ctr"/>
+            <a:r>
+              <a:rPr lang="en-CA" dirty="0">
+                <a:solidFill>
+                  <a:schemeClr val="tx1"/>
+                </a:solidFill>
+              </a:rPr>
+              <a:t>4x4</a:t>
+            </a:r>
+          </a:p>
+        </p:txBody>
+      </p:sp>
+      <p:sp>
+        <p:nvSpPr>
+          <p:cNvPr id="59" name="Oval 58"/>
+          <p:cNvSpPr/>
+          <p:nvPr/>
+        </p:nvSpPr>
+        <p:spPr>
+          <a:xfrm>
+            <a:off x="11665927" y="2409576"/>
+            <a:ext cx="1502239" cy="948028"/>
+          </a:xfrm>
+          <a:prstGeom prst="ellipse">
+            <a:avLst/>
+          </a:prstGeom>
+          <a:solidFill>
+            <a:srgbClr val="FFFF66"/>
+          </a:solidFill>
+          <a:ln>
+            <a:solidFill>
+              <a:schemeClr val="accent4">
+                <a:lumMod val="75000"/>
+              </a:schemeClr>
+            </a:solidFill>
+          </a:ln>
+        </p:spPr>
+        <p:style>
+          <a:lnRef idx="2">
+            <a:schemeClr val="accent1">
+              <a:shade val="50000"/>
+            </a:schemeClr>
+          </a:lnRef>
+          <a:fillRef idx="1">
+            <a:schemeClr val="accent1"/>
+          </a:fillRef>
+          <a:effectRef idx="0">
+            <a:schemeClr val="accent1"/>
+          </a:effectRef>
+          <a:fontRef idx="minor">
+            <a:schemeClr val="lt1"/>
+          </a:fontRef>
+        </p:style>
+        <p:txBody>
+          <a:bodyPr rtlCol="0" anchor="ctr"/>
+          <a:lstStyle/>
+          <a:p>
+            <a:pPr algn="ctr"/>
+            <a:r>
+              <a:rPr lang="en-CA" sz="2400" dirty="0">
+                <a:solidFill>
+                  <a:schemeClr val="tx1"/>
+                </a:solidFill>
+              </a:rPr>
+              <a:t>802.11ax</a:t>
+            </a:r>
           </a:p>
         </p:txBody>
       </p:sp>
     </p:spTree>
     <p:extLst>
       <p:ext uri="{BB962C8B-B14F-4D97-AF65-F5344CB8AC3E}">
-        <p14:creationId xmlns:p14="http://schemas.microsoft.com/office/powerpoint/2010/main" val="2367860527"/>
+        <p14:creationId xmlns:p14="http://schemas.microsoft.com/office/powerpoint/2010/main" val="1774289113"/>
+      </p:ext>
+    </p:extLst>
+  </p:cSld>
+  <p:clrMapOvr>
+    <a:masterClrMapping/>
+  </p:clrMapOvr>
+</p:sld>
+</file>
+
+<file path=ppt/slides/slide2.xml><?xml version="1.0" encoding="utf-8"?>
+<p:sld xmlns:a="http://schemas.openxmlformats.org/drawingml/2006/main" xmlns:r="http://schemas.openxmlformats.org/officeDocument/2006/relationships" xmlns:p="http://schemas.openxmlformats.org/presentationml/2006/main">
+  <p:cSld>
+    <p:spTree>
+      <p:nvGrpSpPr>
+        <p:cNvPr id="1" name=""/>
+        <p:cNvGrpSpPr/>
+        <p:nvPr/>
+      </p:nvGrpSpPr>
+      <p:grpSpPr>
+        <a:xfrm>
+          <a:off x="0" y="0"/>
+          <a:ext cx="0" cy="0"/>
+          <a:chOff x="0" y="0"/>
+          <a:chExt cx="0" cy="0"/>
+        </a:xfrm>
+      </p:grpSpPr>
+      <p:pic>
+        <p:nvPicPr>
+          <p:cNvPr id="4" name="Picture 3"/>
+          <p:cNvPicPr>
+            <a:picLocks noChangeAspect="1"/>
+          </p:cNvPicPr>
+          <p:nvPr/>
+        </p:nvPicPr>
+        <p:blipFill>
+          <a:blip r:embed="rId2"/>
+          <a:stretch>
+            <a:fillRect/>
+          </a:stretch>
+        </p:blipFill>
+        <p:spPr>
+          <a:xfrm>
+            <a:off x="92765" y="278296"/>
+            <a:ext cx="12234658" cy="6249885"/>
+          </a:xfrm>
+          <a:prstGeom prst="rect">
+            <a:avLst/>
+          </a:prstGeom>
+        </p:spPr>
+      </p:pic>
+    </p:spTree>
+    <p:extLst>
+      <p:ext uri="{BB962C8B-B14F-4D97-AF65-F5344CB8AC3E}">
+        <p14:creationId xmlns:p14="http://schemas.microsoft.com/office/powerpoint/2010/main" val="4284884177"/>
       </p:ext>
     </p:extLst>
   </p:cSld>
@@ -3280,44 +5549,44 @@
         <a:sysClr val="window" lastClr="FFFFFF"/>
       </a:lt1>
       <a:dk2>
-        <a:srgbClr val="1F497D"/>
+        <a:srgbClr val="44546A"/>
       </a:dk2>
       <a:lt2>
-        <a:srgbClr val="EEECE1"/>
+        <a:srgbClr val="E7E6E6"/>
       </a:lt2>
       <a:accent1>
-        <a:srgbClr val="4F81BD"/>
+        <a:srgbClr val="5B9BD5"/>
       </a:accent1>
       <a:accent2>
-        <a:srgbClr val="C0504D"/>
+        <a:srgbClr val="ED7D31"/>
       </a:accent2>
       <a:accent3>
-        <a:srgbClr val="9BBB59"/>
+        <a:srgbClr val="A5A5A5"/>
       </a:accent3>
       <a:accent4>
-        <a:srgbClr val="8064A2"/>
+        <a:srgbClr val="FFC000"/>
       </a:accent4>
       <a:accent5>
-        <a:srgbClr val="4BACC6"/>
+        <a:srgbClr val="4472C4"/>
       </a:accent5>
       <a:accent6>
-        <a:srgbClr val="F79646"/>
+        <a:srgbClr val="70AD47"/>
       </a:accent6>
       <a:hlink>
-        <a:srgbClr val="0000FF"/>
+        <a:srgbClr val="0563C1"/>
       </a:hlink>
       <a:folHlink>
-        <a:srgbClr val="800080"/>
+        <a:srgbClr val="954F72"/>
       </a:folHlink>
     </a:clrScheme>
     <a:fontScheme name="Office">
       <a:majorFont>
-        <a:latin typeface="Calibri"/>
+        <a:latin typeface="Calibri Light" panose="020F0302020204030204"/>
         <a:ea typeface=""/>
         <a:cs typeface=""/>
-        <a:font script="Jpan" typeface="ＭＳ Ｐゴシック"/>
+        <a:font script="Jpan" typeface="游ゴシック Light"/>
         <a:font script="Hang" typeface="맑은 고딕"/>
-        <a:font script="Hans" typeface="宋体"/>
+        <a:font script="Hans" typeface="等线 Light"/>
         <a:font script="Hant" typeface="新細明體"/>
         <a:font script="Arab" typeface="Times New Roman"/>
         <a:font script="Hebr" typeface="Times New Roman"/>
@@ -3345,14 +5614,31 @@
         <a:font script="Viet" typeface="Times New Roman"/>
         <a:font script="Uigh" typeface="Microsoft Uighur"/>
         <a:font script="Geor" typeface="Sylfaen"/>
+        <a:font script="Armn" typeface="Arial"/>
+        <a:font script="Bugi" typeface="Leelawadee UI"/>
+        <a:font script="Bopo" typeface="Microsoft JhengHei"/>
+        <a:font script="Java" typeface="Javanese Text"/>
+        <a:font script="Lisu" typeface="Segoe UI"/>
+        <a:font script="Mymr" typeface="Myanmar Text"/>
+        <a:font script="Nkoo" typeface="Ebrima"/>
+        <a:font script="Olck" typeface="Nirmala UI"/>
+        <a:font script="Osma" typeface="Ebrima"/>
+        <a:font script="Phag" typeface="Phagspa"/>
+        <a:font script="Syrn" typeface="Estrangelo Edessa"/>
+        <a:font script="Syrj" typeface="Estrangelo Edessa"/>
+        <a:font script="Syre" typeface="Estrangelo Edessa"/>
+        <a:font script="Sora" typeface="Nirmala UI"/>
+        <a:font script="Tale" typeface="Microsoft Tai Le"/>
+        <a:font script="Talu" typeface="Microsoft New Tai Lue"/>
+        <a:font script="Tfng" typeface="Ebrima"/>
       </a:majorFont>
       <a:minorFont>
-        <a:latin typeface="Calibri"/>
+        <a:latin typeface="Calibri" panose="020F0502020204030204"/>
         <a:ea typeface=""/>
         <a:cs typeface=""/>
-        <a:font script="Jpan" typeface="ＭＳ Ｐゴシック"/>
+        <a:font script="Jpan" typeface="游ゴシック"/>
         <a:font script="Hang" typeface="맑은 고딕"/>
-        <a:font script="Hans" typeface="宋体"/>
+        <a:font script="Hans" typeface="等线"/>
         <a:font script="Hant" typeface="新細明體"/>
         <a:font script="Arab" typeface="Arial"/>
         <a:font script="Hebr" typeface="Arial"/>
@@ -3380,6 +5666,23 @@
         <a:font script="Viet" typeface="Arial"/>
         <a:font script="Uigh" typeface="Microsoft Uighur"/>
         <a:font script="Geor" typeface="Sylfaen"/>
+        <a:font script="Armn" typeface="Arial"/>
+        <a:font script="Bugi" typeface="Leelawadee UI"/>
+        <a:font script="Bopo" typeface="Microsoft JhengHei"/>
+        <a:font script="Java" typeface="Javanese Text"/>
+        <a:font script="Lisu" typeface="Segoe UI"/>
+        <a:font script="Mymr" typeface="Myanmar Text"/>
+        <a:font script="Nkoo" typeface="Ebrima"/>
+        <a:font script="Olck" typeface="Nirmala UI"/>
+        <a:font script="Osma" typeface="Ebrima"/>
+        <a:font script="Phag" typeface="Phagspa"/>
+        <a:font script="Syrn" typeface="Estrangelo Edessa"/>
+        <a:font script="Syrj" typeface="Estrangelo Edessa"/>
+        <a:font script="Syre" typeface="Estrangelo Edessa"/>
+        <a:font script="Sora" typeface="Nirmala UI"/>
+        <a:font script="Tale" typeface="Microsoft Tai Le"/>
+        <a:font script="Talu" typeface="Microsoft New Tai Lue"/>
+        <a:font script="Tfng" typeface="Ebrima"/>
       </a:minorFont>
     </a:fontScheme>
     <a:fmtScheme name="Office">
@@ -3391,165 +5694,141 @@
           <a:gsLst>
             <a:gs pos="0">
               <a:schemeClr val="phClr">
-                <a:tint val="50000"/>
-                <a:satMod val="300000"/>
+                <a:lumMod val="110000"/>
+                <a:satMod val="105000"/>
+                <a:tint val="67000"/>
               </a:schemeClr>
             </a:gs>
-            <a:gs pos="35000">
+            <a:gs pos="50000">
               <a:schemeClr val="phClr">
-                <a:tint val="37000"/>
-                <a:satMod val="300000"/>
+                <a:lumMod val="105000"/>
+                <a:satMod val="103000"/>
+                <a:tint val="73000"/>
               </a:schemeClr>
             </a:gs>
             <a:gs pos="100000">
               <a:schemeClr val="phClr">
-                <a:tint val="15000"/>
-                <a:satMod val="350000"/>
+                <a:lumMod val="105000"/>
+                <a:satMod val="109000"/>
+                <a:tint val="81000"/>
               </a:schemeClr>
             </a:gs>
           </a:gsLst>
-          <a:lin ang="16200000" scaled="1"/>
+          <a:lin ang="5400000" scaled="0"/>
         </a:gradFill>
         <a:gradFill rotWithShape="1">
           <a:gsLst>
             <a:gs pos="0">
               <a:schemeClr val="phClr">
-                <a:shade val="51000"/>
-                <a:satMod val="130000"/>
+                <a:satMod val="103000"/>
+                <a:lumMod val="102000"/>
+                <a:tint val="94000"/>
               </a:schemeClr>
             </a:gs>
-            <a:gs pos="80000">
+            <a:gs pos="50000">
               <a:schemeClr val="phClr">
-                <a:shade val="93000"/>
-                <a:satMod val="130000"/>
+                <a:satMod val="110000"/>
+                <a:lumMod val="100000"/>
+                <a:shade val="100000"/>
               </a:schemeClr>
             </a:gs>
             <a:gs pos="100000">
               <a:schemeClr val="phClr">
-                <a:shade val="94000"/>
-                <a:satMod val="135000"/>
+                <a:lumMod val="99000"/>
+                <a:satMod val="120000"/>
+                <a:shade val="78000"/>
               </a:schemeClr>
             </a:gs>
           </a:gsLst>
-          <a:lin ang="16200000" scaled="0"/>
+          <a:lin ang="5400000" scaled="0"/>
         </a:gradFill>
       </a:fillStyleLst>
       <a:lnStyleLst>
-        <a:ln w="9525" cap="flat" cmpd="sng" algn="ctr">
-          <a:solidFill>
-            <a:schemeClr val="phClr">
-              <a:shade val="95000"/>
-              <a:satMod val="105000"/>
-            </a:schemeClr>
+        <a:ln w="6350" cap="flat" cmpd="sng" algn="ctr">
+          <a:solidFill>
+            <a:schemeClr val="phClr"/>
           </a:solidFill>
           <a:prstDash val="solid"/>
+          <a:miter lim="800000"/>
         </a:ln>
-        <a:ln w="25400" cap="flat" cmpd="sng" algn="ctr">
+        <a:ln w="12700" cap="flat" cmpd="sng" algn="ctr">
           <a:solidFill>
             <a:schemeClr val="phClr"/>
           </a:solidFill>
           <a:prstDash val="solid"/>
+          <a:miter lim="800000"/>
         </a:ln>
-        <a:ln w="38100" cap="flat" cmpd="sng" algn="ctr">
+        <a:ln w="19050" cap="flat" cmpd="sng" algn="ctr">
           <a:solidFill>
             <a:schemeClr val="phClr"/>
           </a:solidFill>
           <a:prstDash val="solid"/>
+          <a:miter lim="800000"/>
         </a:ln>
       </a:lnStyleLst>
       <a:effectStyleLst>
         <a:effectStyle>
+          <a:effectLst/>
+        </a:effectStyle>
+        <a:effectStyle>
+          <a:effectLst/>
+        </a:effectStyle>
+        <a:effectStyle>
           <a:effectLst>
-            <a:outerShdw blurRad="40000" dist="20000" dir="5400000" rotWithShape="0">
+            <a:outerShdw blurRad="57150" dist="19050" dir="5400000" algn="ctr" rotWithShape="0">
               <a:srgbClr val="000000">
-                <a:alpha val="38000"/>
+                <a:alpha val="63000"/>
               </a:srgbClr>
             </a:outerShdw>
           </a:effectLst>
-        </a:effectStyle>
-        <a:effectStyle>
-          <a:effectLst>
-            <a:outerShdw blurRad="40000" dist="23000" dir="5400000" rotWithShape="0">
-              <a:srgbClr val="000000">
-                <a:alpha val="35000"/>
-              </a:srgbClr>
-            </a:outerShdw>
-          </a:effectLst>
-        </a:effectStyle>
-        <a:effectStyle>
-          <a:effectLst>
-            <a:outerShdw blurRad="40000" dist="23000" dir="5400000" rotWithShape="0">
-              <a:srgbClr val="000000">
-                <a:alpha val="35000"/>
-              </a:srgbClr>
-            </a:outerShdw>
-          </a:effectLst>
-          <a:scene3d>
-            <a:camera prst="orthographicFront">
-              <a:rot lat="0" lon="0" rev="0"/>
-            </a:camera>
-            <a:lightRig rig="threePt" dir="t">
-              <a:rot lat="0" lon="0" rev="1200000"/>
-            </a:lightRig>
-          </a:scene3d>
-          <a:sp3d>
-            <a:bevelT w="63500" h="25400"/>
-          </a:sp3d>
         </a:effectStyle>
       </a:effectStyleLst>
       <a:bgFillStyleLst>
         <a:solidFill>
           <a:schemeClr val="phClr"/>
         </a:solidFill>
+        <a:solidFill>
+          <a:schemeClr val="phClr">
+            <a:tint val="95000"/>
+            <a:satMod val="170000"/>
+          </a:schemeClr>
+        </a:solidFill>
         <a:gradFill rotWithShape="1">
           <a:gsLst>
             <a:gs pos="0">
               <a:schemeClr val="phClr">
-                <a:tint val="40000"/>
-                <a:satMod val="350000"/>
+                <a:tint val="93000"/>
+                <a:satMod val="150000"/>
+                <a:shade val="98000"/>
+                <a:lumMod val="102000"/>
               </a:schemeClr>
             </a:gs>
-            <a:gs pos="40000">
+            <a:gs pos="50000">
               <a:schemeClr val="phClr">
-                <a:tint val="45000"/>
-                <a:shade val="99000"/>
-                <a:satMod val="350000"/>
+                <a:tint val="98000"/>
+                <a:satMod val="130000"/>
+                <a:shade val="90000"/>
+                <a:lumMod val="103000"/>
               </a:schemeClr>
             </a:gs>
             <a:gs pos="100000">
               <a:schemeClr val="phClr">
-                <a:shade val="20000"/>
-                <a:satMod val="255000"/>
+                <a:shade val="63000"/>
+                <a:satMod val="120000"/>
               </a:schemeClr>
             </a:gs>
           </a:gsLst>
-          <a:path path="circle">
-            <a:fillToRect l="50000" t="-80000" r="50000" b="180000"/>
-          </a:path>
-        </a:gradFill>
-        <a:gradFill rotWithShape="1">
-          <a:gsLst>
-            <a:gs pos="0">
-              <a:schemeClr val="phClr">
-                <a:tint val="80000"/>
-                <a:satMod val="300000"/>
-              </a:schemeClr>
-            </a:gs>
-            <a:gs pos="100000">
-              <a:schemeClr val="phClr">
-                <a:shade val="30000"/>
-                <a:satMod val="200000"/>
-              </a:schemeClr>
-            </a:gs>
-          </a:gsLst>
-          <a:path path="circle">
-            <a:fillToRect l="50000" t="50000" r="50000" b="50000"/>
-          </a:path>
+          <a:lin ang="5400000" scaled="0"/>
         </a:gradFill>
       </a:bgFillStyleLst>
     </a:fmtScheme>
   </a:themeElements>
   <a:objectDefaults/>
   <a:extraClrSchemeLst/>
+  <a:extLst>
+    <a:ext uri="{05A4C25C-085E-4340-85A3-A5531E510DB2}">
+      <thm15:themeFamily xmlns:thm15="http://schemas.microsoft.com/office/thememl/2012/main" name="Office Theme" id="{62F939B6-93AF-4DB8-9C6B-D6C7DFDC589F}" vid="{4A3C46E8-61CC-4603-A589-7422A47A8E4A}"/>
+    </a:ext>
+  </a:extLst>
 </a:theme>
 </file>